--- a/Final-Group-Presentation/final group presentation.pptx
+++ b/Final-Group-Presentation/final group presentation.pptx
@@ -1,12 +1,15 @@
 
 <file path=ppt/presentation.xml><?xml version="1.0" encoding="utf-8"?>
-<p:presentation xmlns:a="http://schemas.openxmlformats.org/drawingml/2006/main" xmlns:r="http://schemas.openxmlformats.org/officeDocument/2006/relationships" xmlns:p="http://schemas.openxmlformats.org/presentationml/2006/main" autoCompressPictures="0">
+<p:presentation xmlns:a="http://schemas.openxmlformats.org/drawingml/2006/main" xmlns:r="http://schemas.openxmlformats.org/officeDocument/2006/relationships" xmlns:p="http://schemas.openxmlformats.org/presentationml/2006/main" saveSubsetFonts="1" autoCompressPictures="0">
   <p:sldMasterIdLst>
     <p:sldMasterId id="2147483648" r:id="rId1"/>
   </p:sldMasterIdLst>
+  <p:notesMasterIdLst>
+    <p:notesMasterId r:id="rId19"/>
+  </p:notesMasterIdLst>
   <p:sldIdLst>
     <p:sldId id="256" r:id="rId2"/>
-    <p:sldId id="262" r:id="rId3"/>
+    <p:sldId id="273" r:id="rId3"/>
     <p:sldId id="258" r:id="rId4"/>
     <p:sldId id="268" r:id="rId5"/>
     <p:sldId id="263" r:id="rId6"/>
@@ -17,8 +20,11 @@
     <p:sldId id="270" r:id="rId11"/>
     <p:sldId id="267" r:id="rId12"/>
     <p:sldId id="260" r:id="rId13"/>
-    <p:sldId id="261" r:id="rId14"/>
-    <p:sldId id="269" r:id="rId15"/>
+    <p:sldId id="272" r:id="rId14"/>
+    <p:sldId id="274" r:id="rId15"/>
+    <p:sldId id="261" r:id="rId16"/>
+    <p:sldId id="275" r:id="rId17"/>
+    <p:sldId id="269" r:id="rId18"/>
   </p:sldIdLst>
   <p:sldSz cx="12192000" cy="6858000"/>
   <p:notesSz cx="6858000" cy="9144000"/>
@@ -123,6 +129,356 @@
     </p:ext>
   </p:extLst>
 </p:presentation>
+</file>
+
+<file path=ppt/notesMasters/notesMaster1.xml><?xml version="1.0" encoding="utf-8"?>
+<p:notesMaster xmlns:a="http://schemas.openxmlformats.org/drawingml/2006/main" xmlns:r="http://schemas.openxmlformats.org/officeDocument/2006/relationships" xmlns:p="http://schemas.openxmlformats.org/presentationml/2006/main">
+  <p:cSld>
+    <p:bg>
+      <p:bgRef idx="1001">
+        <a:schemeClr val="bg1"/>
+      </p:bgRef>
+    </p:bg>
+    <p:spTree>
+      <p:nvGrpSpPr>
+        <p:cNvPr id="1" name=""/>
+        <p:cNvGrpSpPr/>
+        <p:nvPr/>
+      </p:nvGrpSpPr>
+      <p:grpSpPr>
+        <a:xfrm>
+          <a:off x="0" y="0"/>
+          <a:ext cx="0" cy="0"/>
+          <a:chOff x="0" y="0"/>
+          <a:chExt cx="0" cy="0"/>
+        </a:xfrm>
+      </p:grpSpPr>
+      <p:sp>
+        <p:nvSpPr>
+          <p:cNvPr id="2" name="Header Placeholder 1"/>
+          <p:cNvSpPr>
+            <a:spLocks noGrp="1"/>
+          </p:cNvSpPr>
+          <p:nvPr>
+            <p:ph type="hdr" sz="quarter"/>
+          </p:nvPr>
+        </p:nvSpPr>
+        <p:spPr>
+          <a:xfrm>
+            <a:off x="0" y="0"/>
+            <a:ext cx="2971800" cy="458788"/>
+          </a:xfrm>
+          <a:prstGeom prst="rect">
+            <a:avLst/>
+          </a:prstGeom>
+        </p:spPr>
+        <p:txBody>
+          <a:bodyPr vert="horz" lIns="91440" tIns="45720" rIns="91440" bIns="45720" rtlCol="0"/>
+          <a:lstStyle>
+            <a:lvl1pPr algn="l">
+              <a:defRPr sz="1200"/>
+            </a:lvl1pPr>
+          </a:lstStyle>
+          <a:p>
+            <a:endParaRPr lang="en-US"/>
+          </a:p>
+        </p:txBody>
+      </p:sp>
+      <p:sp>
+        <p:nvSpPr>
+          <p:cNvPr id="3" name="Date Placeholder 2"/>
+          <p:cNvSpPr>
+            <a:spLocks noGrp="1"/>
+          </p:cNvSpPr>
+          <p:nvPr>
+            <p:ph type="dt" idx="1"/>
+          </p:nvPr>
+        </p:nvSpPr>
+        <p:spPr>
+          <a:xfrm>
+            <a:off x="3884613" y="0"/>
+            <a:ext cx="2971800" cy="458788"/>
+          </a:xfrm>
+          <a:prstGeom prst="rect">
+            <a:avLst/>
+          </a:prstGeom>
+        </p:spPr>
+        <p:txBody>
+          <a:bodyPr vert="horz" lIns="91440" tIns="45720" rIns="91440" bIns="45720" rtlCol="0"/>
+          <a:lstStyle>
+            <a:lvl1pPr algn="r">
+              <a:defRPr sz="1200"/>
+            </a:lvl1pPr>
+          </a:lstStyle>
+          <a:p>
+            <a:fld id="{5605B4BC-552B-DC48-9424-AA2DA0655ED9}" type="datetimeFigureOut">
+              <a:rPr lang="en-US" smtClean="0"/>
+              <a:t>4/25/18</a:t>
+            </a:fld>
+            <a:endParaRPr lang="en-US"/>
+          </a:p>
+        </p:txBody>
+      </p:sp>
+      <p:sp>
+        <p:nvSpPr>
+          <p:cNvPr id="4" name="Slide Image Placeholder 3"/>
+          <p:cNvSpPr>
+            <a:spLocks noGrp="1" noRot="1" noChangeAspect="1"/>
+          </p:cNvSpPr>
+          <p:nvPr>
+            <p:ph type="sldImg" idx="2"/>
+          </p:nvPr>
+        </p:nvSpPr>
+        <p:spPr>
+          <a:xfrm>
+            <a:off x="685800" y="1143000"/>
+            <a:ext cx="5486400" cy="3086100"/>
+          </a:xfrm>
+          <a:prstGeom prst="rect">
+            <a:avLst/>
+          </a:prstGeom>
+          <a:noFill/>
+          <a:ln w="12700">
+            <a:solidFill>
+              <a:prstClr val="black"/>
+            </a:solidFill>
+          </a:ln>
+        </p:spPr>
+        <p:txBody>
+          <a:bodyPr vert="horz" lIns="91440" tIns="45720" rIns="91440" bIns="45720" rtlCol="0" anchor="ctr"/>
+          <a:lstStyle/>
+          <a:p>
+            <a:endParaRPr lang="en-US"/>
+          </a:p>
+        </p:txBody>
+      </p:sp>
+      <p:sp>
+        <p:nvSpPr>
+          <p:cNvPr id="5" name="Notes Placeholder 4"/>
+          <p:cNvSpPr>
+            <a:spLocks noGrp="1"/>
+          </p:cNvSpPr>
+          <p:nvPr>
+            <p:ph type="body" sz="quarter" idx="3"/>
+          </p:nvPr>
+        </p:nvSpPr>
+        <p:spPr>
+          <a:xfrm>
+            <a:off x="685800" y="4400550"/>
+            <a:ext cx="5486400" cy="3600450"/>
+          </a:xfrm>
+          <a:prstGeom prst="rect">
+            <a:avLst/>
+          </a:prstGeom>
+        </p:spPr>
+        <p:txBody>
+          <a:bodyPr vert="horz" lIns="91440" tIns="45720" rIns="91440" bIns="45720" rtlCol="0"/>
+          <a:lstStyle/>
+          <a:p>
+            <a:pPr lvl="0"/>
+            <a:r>
+              <a:rPr lang="en-US" smtClean="0"/>
+              <a:t>Click to edit Master text styles</a:t>
+            </a:r>
+          </a:p>
+          <a:p>
+            <a:pPr lvl="1"/>
+            <a:r>
+              <a:rPr lang="en-US" smtClean="0"/>
+              <a:t>Second level</a:t>
+            </a:r>
+          </a:p>
+          <a:p>
+            <a:pPr lvl="2"/>
+            <a:r>
+              <a:rPr lang="en-US" smtClean="0"/>
+              <a:t>Third level</a:t>
+            </a:r>
+          </a:p>
+          <a:p>
+            <a:pPr lvl="3"/>
+            <a:r>
+              <a:rPr lang="en-US" smtClean="0"/>
+              <a:t>Fourth level</a:t>
+            </a:r>
+          </a:p>
+          <a:p>
+            <a:pPr lvl="4"/>
+            <a:r>
+              <a:rPr lang="en-US" smtClean="0"/>
+              <a:t>Fifth level</a:t>
+            </a:r>
+            <a:endParaRPr lang="en-US"/>
+          </a:p>
+        </p:txBody>
+      </p:sp>
+      <p:sp>
+        <p:nvSpPr>
+          <p:cNvPr id="6" name="Footer Placeholder 5"/>
+          <p:cNvSpPr>
+            <a:spLocks noGrp="1"/>
+          </p:cNvSpPr>
+          <p:nvPr>
+            <p:ph type="ftr" sz="quarter" idx="4"/>
+          </p:nvPr>
+        </p:nvSpPr>
+        <p:spPr>
+          <a:xfrm>
+            <a:off x="0" y="8685213"/>
+            <a:ext cx="2971800" cy="458787"/>
+          </a:xfrm>
+          <a:prstGeom prst="rect">
+            <a:avLst/>
+          </a:prstGeom>
+        </p:spPr>
+        <p:txBody>
+          <a:bodyPr vert="horz" lIns="91440" tIns="45720" rIns="91440" bIns="45720" rtlCol="0" anchor="b"/>
+          <a:lstStyle>
+            <a:lvl1pPr algn="l">
+              <a:defRPr sz="1200"/>
+            </a:lvl1pPr>
+          </a:lstStyle>
+          <a:p>
+            <a:endParaRPr lang="en-US"/>
+          </a:p>
+        </p:txBody>
+      </p:sp>
+      <p:sp>
+        <p:nvSpPr>
+          <p:cNvPr id="7" name="Slide Number Placeholder 6"/>
+          <p:cNvSpPr>
+            <a:spLocks noGrp="1"/>
+          </p:cNvSpPr>
+          <p:nvPr>
+            <p:ph type="sldNum" sz="quarter" idx="5"/>
+          </p:nvPr>
+        </p:nvSpPr>
+        <p:spPr>
+          <a:xfrm>
+            <a:off x="3884613" y="8685213"/>
+            <a:ext cx="2971800" cy="458787"/>
+          </a:xfrm>
+          <a:prstGeom prst="rect">
+            <a:avLst/>
+          </a:prstGeom>
+        </p:spPr>
+        <p:txBody>
+          <a:bodyPr vert="horz" lIns="91440" tIns="45720" rIns="91440" bIns="45720" rtlCol="0" anchor="b"/>
+          <a:lstStyle>
+            <a:lvl1pPr algn="r">
+              <a:defRPr sz="1200"/>
+            </a:lvl1pPr>
+          </a:lstStyle>
+          <a:p>
+            <a:fld id="{9530312D-2A9D-0747-9F66-97428F521E57}" type="slidenum">
+              <a:rPr lang="en-US" smtClean="0"/>
+              <a:t>‹#›</a:t>
+            </a:fld>
+            <a:endParaRPr lang="en-US"/>
+          </a:p>
+        </p:txBody>
+      </p:sp>
+    </p:spTree>
+    <p:extLst>
+      <p:ext uri="{BB962C8B-B14F-4D97-AF65-F5344CB8AC3E}">
+        <p14:creationId xmlns:p14="http://schemas.microsoft.com/office/powerpoint/2010/main" val="1562015931"/>
+      </p:ext>
+    </p:extLst>
+  </p:cSld>
+  <p:clrMap bg1="lt1" tx1="dk1" bg2="lt2" tx2="dk2" accent1="accent1" accent2="accent2" accent3="accent3" accent4="accent4" accent5="accent5" accent6="accent6" hlink="hlink" folHlink="folHlink"/>
+  <p:notesStyle>
+    <a:lvl1pPr marL="0" algn="l" defTabSz="914400" rtl="0" eaLnBrk="1" latinLnBrk="0" hangingPunct="1">
+      <a:defRPr sz="1200" kern="1200">
+        <a:solidFill>
+          <a:schemeClr val="tx1"/>
+        </a:solidFill>
+        <a:latin typeface="+mn-lt"/>
+        <a:ea typeface="+mn-ea"/>
+        <a:cs typeface="+mn-cs"/>
+      </a:defRPr>
+    </a:lvl1pPr>
+    <a:lvl2pPr marL="457200" algn="l" defTabSz="914400" rtl="0" eaLnBrk="1" latinLnBrk="0" hangingPunct="1">
+      <a:defRPr sz="1200" kern="1200">
+        <a:solidFill>
+          <a:schemeClr val="tx1"/>
+        </a:solidFill>
+        <a:latin typeface="+mn-lt"/>
+        <a:ea typeface="+mn-ea"/>
+        <a:cs typeface="+mn-cs"/>
+      </a:defRPr>
+    </a:lvl2pPr>
+    <a:lvl3pPr marL="914400" algn="l" defTabSz="914400" rtl="0" eaLnBrk="1" latinLnBrk="0" hangingPunct="1">
+      <a:defRPr sz="1200" kern="1200">
+        <a:solidFill>
+          <a:schemeClr val="tx1"/>
+        </a:solidFill>
+        <a:latin typeface="+mn-lt"/>
+        <a:ea typeface="+mn-ea"/>
+        <a:cs typeface="+mn-cs"/>
+      </a:defRPr>
+    </a:lvl3pPr>
+    <a:lvl4pPr marL="1371600" algn="l" defTabSz="914400" rtl="0" eaLnBrk="1" latinLnBrk="0" hangingPunct="1">
+      <a:defRPr sz="1200" kern="1200">
+        <a:solidFill>
+          <a:schemeClr val="tx1"/>
+        </a:solidFill>
+        <a:latin typeface="+mn-lt"/>
+        <a:ea typeface="+mn-ea"/>
+        <a:cs typeface="+mn-cs"/>
+      </a:defRPr>
+    </a:lvl4pPr>
+    <a:lvl5pPr marL="1828800" algn="l" defTabSz="914400" rtl="0" eaLnBrk="1" latinLnBrk="0" hangingPunct="1">
+      <a:defRPr sz="1200" kern="1200">
+        <a:solidFill>
+          <a:schemeClr val="tx1"/>
+        </a:solidFill>
+        <a:latin typeface="+mn-lt"/>
+        <a:ea typeface="+mn-ea"/>
+        <a:cs typeface="+mn-cs"/>
+      </a:defRPr>
+    </a:lvl5pPr>
+    <a:lvl6pPr marL="2286000" algn="l" defTabSz="914400" rtl="0" eaLnBrk="1" latinLnBrk="0" hangingPunct="1">
+      <a:defRPr sz="1200" kern="1200">
+        <a:solidFill>
+          <a:schemeClr val="tx1"/>
+        </a:solidFill>
+        <a:latin typeface="+mn-lt"/>
+        <a:ea typeface="+mn-ea"/>
+        <a:cs typeface="+mn-cs"/>
+      </a:defRPr>
+    </a:lvl6pPr>
+    <a:lvl7pPr marL="2743200" algn="l" defTabSz="914400" rtl="0" eaLnBrk="1" latinLnBrk="0" hangingPunct="1">
+      <a:defRPr sz="1200" kern="1200">
+        <a:solidFill>
+          <a:schemeClr val="tx1"/>
+        </a:solidFill>
+        <a:latin typeface="+mn-lt"/>
+        <a:ea typeface="+mn-ea"/>
+        <a:cs typeface="+mn-cs"/>
+      </a:defRPr>
+    </a:lvl7pPr>
+    <a:lvl8pPr marL="3200400" algn="l" defTabSz="914400" rtl="0" eaLnBrk="1" latinLnBrk="0" hangingPunct="1">
+      <a:defRPr sz="1200" kern="1200">
+        <a:solidFill>
+          <a:schemeClr val="tx1"/>
+        </a:solidFill>
+        <a:latin typeface="+mn-lt"/>
+        <a:ea typeface="+mn-ea"/>
+        <a:cs typeface="+mn-cs"/>
+      </a:defRPr>
+    </a:lvl8pPr>
+    <a:lvl9pPr marL="3657600" algn="l" defTabSz="914400" rtl="0" eaLnBrk="1" latinLnBrk="0" hangingPunct="1">
+      <a:defRPr sz="1200" kern="1200">
+        <a:solidFill>
+          <a:schemeClr val="tx1"/>
+        </a:solidFill>
+        <a:latin typeface="+mn-lt"/>
+        <a:ea typeface="+mn-ea"/>
+        <a:cs typeface="+mn-cs"/>
+      </a:defRPr>
+    </a:lvl9pPr>
+  </p:notesStyle>
+</p:notesMaster>
 </file>
 
 <file path=ppt/slideLayouts/slideLayout1.xml><?xml version="1.0" encoding="utf-8"?>
@@ -848,7 +1204,7 @@
             <a:fld id="{B61BEF0D-F0BB-DE4B-95CE-6DB70DBA9567}" type="datetimeFigureOut">
               <a:rPr lang="en-US" dirty="0"/>
               <a:pPr/>
-              <a:t>4/25/2018</a:t>
+              <a:t>4/25/18</a:t>
             </a:fld>
             <a:endParaRPr lang="en-US" dirty="0"/>
           </a:p>
@@ -1096,7 +1452,7 @@
             <a:fld id="{B61BEF0D-F0BB-DE4B-95CE-6DB70DBA9567}" type="datetimeFigureOut">
               <a:rPr lang="en-US" dirty="0"/>
               <a:pPr/>
-              <a:t>4/25/2018</a:t>
+              <a:t>4/25/18</a:t>
             </a:fld>
             <a:endParaRPr lang="en-US" dirty="0"/>
           </a:p>
@@ -1407,7 +1763,7 @@
             <a:fld id="{B61BEF0D-F0BB-DE4B-95CE-6DB70DBA9567}" type="datetimeFigureOut">
               <a:rPr lang="en-US" dirty="0"/>
               <a:pPr/>
-              <a:t>4/25/2018</a:t>
+              <a:t>4/25/18</a:t>
             </a:fld>
             <a:endParaRPr lang="en-US" dirty="0"/>
           </a:p>
@@ -1745,7 +2101,7 @@
             <a:fld id="{B61BEF0D-F0BB-DE4B-95CE-6DB70DBA9567}" type="datetimeFigureOut">
               <a:rPr lang="en-US" dirty="0"/>
               <a:pPr/>
-              <a:t>4/25/2018</a:t>
+              <a:t>4/25/18</a:t>
             </a:fld>
             <a:endParaRPr lang="en-US" dirty="0"/>
           </a:p>
@@ -2056,7 +2412,7 @@
             <a:fld id="{B61BEF0D-F0BB-DE4B-95CE-6DB70DBA9567}" type="datetimeFigureOut">
               <a:rPr lang="en-US" dirty="0"/>
               <a:pPr/>
-              <a:t>4/25/2018</a:t>
+              <a:t>4/25/18</a:t>
             </a:fld>
             <a:endParaRPr lang="en-US" dirty="0"/>
           </a:p>
@@ -2446,7 +2802,7 @@
             <a:fld id="{B61BEF0D-F0BB-DE4B-95CE-6DB70DBA9567}" type="datetimeFigureOut">
               <a:rPr lang="en-US" dirty="0"/>
               <a:pPr/>
-              <a:t>4/25/2018</a:t>
+              <a:t>4/25/18</a:t>
             </a:fld>
             <a:endParaRPr lang="en-US" dirty="0"/>
           </a:p>
@@ -2612,7 +2968,7 @@
           <a:p>
             <a:fld id="{55C6B4A9-1611-4792-9094-5F34BCA07E0B}" type="datetimeFigureOut">
               <a:rPr lang="en-US" dirty="0"/>
-              <a:t>4/25/2018</a:t>
+              <a:t>4/25/18</a:t>
             </a:fld>
             <a:endParaRPr lang="en-US" dirty="0"/>
           </a:p>
@@ -2788,7 +3144,7 @@
             <a:fld id="{B61BEF0D-F0BB-DE4B-95CE-6DB70DBA9567}" type="datetimeFigureOut">
               <a:rPr lang="en-US" dirty="0"/>
               <a:pPr/>
-              <a:t>4/25/2018</a:t>
+              <a:t>4/25/18</a:t>
             </a:fld>
             <a:endParaRPr lang="en-US" dirty="0"/>
           </a:p>
@@ -2961,7 +3317,7 @@
             <a:fld id="{B61BEF0D-F0BB-DE4B-95CE-6DB70DBA9567}" type="datetimeFigureOut">
               <a:rPr lang="en-US" dirty="0"/>
               <a:pPr/>
-              <a:t>4/25/2018</a:t>
+              <a:t>4/25/18</a:t>
             </a:fld>
             <a:endParaRPr lang="en-US" dirty="0"/>
           </a:p>
@@ -3205,7 +3561,7 @@
             <a:fld id="{B61BEF0D-F0BB-DE4B-95CE-6DB70DBA9567}" type="datetimeFigureOut">
               <a:rPr lang="en-US" dirty="0"/>
               <a:pPr/>
-              <a:t>4/25/2018</a:t>
+              <a:t>4/25/18</a:t>
             </a:fld>
             <a:endParaRPr lang="en-US" dirty="0"/>
           </a:p>
@@ -3433,7 +3789,7 @@
           <a:p>
             <a:fld id="{EB712588-04B1-427B-82EE-E8DB90309F08}" type="datetimeFigureOut">
               <a:rPr lang="en-US" dirty="0"/>
-              <a:t>4/25/2018</a:t>
+              <a:t>4/25/18</a:t>
             </a:fld>
             <a:endParaRPr lang="en-US" dirty="0"/>
           </a:p>
@@ -3803,7 +4159,7 @@
             <a:fld id="{B61BEF0D-F0BB-DE4B-95CE-6DB70DBA9567}" type="datetimeFigureOut">
               <a:rPr lang="en-US" dirty="0"/>
               <a:pPr/>
-              <a:t>4/25/2018</a:t>
+              <a:t>4/25/18</a:t>
             </a:fld>
             <a:endParaRPr lang="en-US" dirty="0"/>
           </a:p>
@@ -3923,7 +4279,7 @@
             <a:fld id="{B61BEF0D-F0BB-DE4B-95CE-6DB70DBA9567}" type="datetimeFigureOut">
               <a:rPr lang="en-US" dirty="0"/>
               <a:pPr/>
-              <a:t>4/25/2018</a:t>
+              <a:t>4/25/18</a:t>
             </a:fld>
             <a:endParaRPr lang="en-US" dirty="0"/>
           </a:p>
@@ -4015,7 +4371,7 @@
             <a:fld id="{B61BEF0D-F0BB-DE4B-95CE-6DB70DBA9567}" type="datetimeFigureOut">
               <a:rPr lang="en-US" dirty="0"/>
               <a:pPr/>
-              <a:t>4/25/2018</a:t>
+              <a:t>4/25/18</a:t>
             </a:fld>
             <a:endParaRPr lang="en-US" dirty="0"/>
           </a:p>
@@ -4266,7 +4622,7 @@
           <a:p>
             <a:fld id="{42A54C80-263E-416B-A8E0-580EDEADCBDC}" type="datetimeFigureOut">
               <a:rPr lang="en-US" dirty="0"/>
-              <a:t>4/25/2018</a:t>
+              <a:t>4/25/18</a:t>
             </a:fld>
             <a:endParaRPr lang="en-US" dirty="0"/>
           </a:p>
@@ -4525,7 +4881,7 @@
             <a:fld id="{B61BEF0D-F0BB-DE4B-95CE-6DB70DBA9567}" type="datetimeFigureOut">
               <a:rPr lang="en-US" dirty="0"/>
               <a:pPr/>
-              <a:t>4/25/2018</a:t>
+              <a:t>4/25/18</a:t>
             </a:fld>
             <a:endParaRPr lang="en-US" dirty="0"/>
           </a:p>
@@ -5265,7 +5621,7 @@
             <a:fld id="{B61BEF0D-F0BB-DE4B-95CE-6DB70DBA9567}" type="datetimeFigureOut">
               <a:rPr lang="en-US" dirty="0"/>
               <a:pPr/>
-              <a:t>4/25/2018</a:t>
+              <a:t>4/25/18</a:t>
             </a:fld>
             <a:endParaRPr lang="en-US" dirty="0"/>
           </a:p>
@@ -5853,7 +6209,6 @@
               <a:rPr lang="en-US" dirty="0"/>
               <a:t>dataset</a:t>
             </a:r>
-            <a:endParaRPr lang="en-US" dirty="0"/>
           </a:p>
         </p:txBody>
       </p:sp>
@@ -6112,7 +6467,6 @@
               <a:rPr lang="en-US" dirty="0"/>
               <a:t>89.8%. </a:t>
             </a:r>
-            <a:endParaRPr lang="en-US" dirty="0"/>
           </a:p>
         </p:txBody>
       </p:sp>
@@ -14809,6 +15163,14 @@
 <file path=ppt/slides/slide13.xml><?xml version="1.0" encoding="utf-8"?>
 <p:sld xmlns:a="http://schemas.openxmlformats.org/drawingml/2006/main" xmlns:r="http://schemas.openxmlformats.org/officeDocument/2006/relationships" xmlns:p="http://schemas.openxmlformats.org/presentationml/2006/main">
   <p:cSld>
+    <p:bg>
+      <p:bgPr>
+        <a:solidFill>
+          <a:schemeClr val="bg1"/>
+        </a:solidFill>
+        <a:effectLst/>
+      </p:bgPr>
+    </p:bg>
     <p:spTree>
       <p:nvGrpSpPr>
         <p:cNvPr id="1" name=""/>
@@ -14823,6 +15185,220 @@
           <a:chExt cx="0" cy="0"/>
         </a:xfrm>
       </p:grpSpPr>
+      <p:pic>
+        <p:nvPicPr>
+          <p:cNvPr id="2053" name="Picture 2" descr="https://lh5.googleusercontent.com/wWurhiLPZqhjc18MT8Xjo31WAbg1XlU5wNlq3sEiiNpb_Jbm0-yWKBt_TBAT0k_t30cJ9X-MNQ4zeci1Ch7i0RHJkXZxAJVz7gFZT-xCRD1Y-3AtG_Z5SMzxQEo6UvgM2ULbQ7F6S_A"/>
+          <p:cNvPicPr>
+            <a:picLocks noChangeAspect="1" noChangeArrowheads="1"/>
+          </p:cNvPicPr>
+          <p:nvPr/>
+        </p:nvPicPr>
+        <p:blipFill rotWithShape="1">
+          <a:blip r:embed="rId2">
+            <a:extLst>
+              <a:ext uri="{28A0092B-C50C-407E-A947-70E740481C1C}">
+                <a14:useLocalDpi xmlns:a14="http://schemas.microsoft.com/office/drawing/2010/main" val="0"/>
+              </a:ext>
+            </a:extLst>
+          </a:blip>
+          <a:srcRect r="51817" b="1"/>
+          <a:stretch/>
+        </p:blipFill>
+        <p:spPr bwMode="auto">
+          <a:xfrm>
+            <a:off x="20" y="-1"/>
+            <a:ext cx="5394940" cy="6858001"/>
+          </a:xfrm>
+          <a:custGeom>
+            <a:avLst/>
+            <a:gdLst>
+              <a:gd name="connsiteX0" fmla="*/ 842596 w 5394960"/>
+              <a:gd name="connsiteY0" fmla="*/ 0 h 6858000"/>
+              <a:gd name="connsiteX1" fmla="*/ 5394960 w 5394960"/>
+              <a:gd name="connsiteY1" fmla="*/ 0 h 6858000"/>
+              <a:gd name="connsiteX2" fmla="*/ 5394960 w 5394960"/>
+              <a:gd name="connsiteY2" fmla="*/ 21851 h 6858000"/>
+              <a:gd name="connsiteX3" fmla="*/ 4365943 w 5394960"/>
+              <a:gd name="connsiteY3" fmla="*/ 6858000 h 6858000"/>
+              <a:gd name="connsiteX4" fmla="*/ 0 w 5394960"/>
+              <a:gd name="connsiteY4" fmla="*/ 6858000 h 6858000"/>
+              <a:gd name="connsiteX5" fmla="*/ 0 w 5394960"/>
+              <a:gd name="connsiteY5" fmla="*/ 5666154 h 6858000"/>
+            </a:gdLst>
+            <a:ahLst/>
+            <a:cxnLst>
+              <a:cxn ang="0">
+                <a:pos x="connsiteX0" y="connsiteY0"/>
+              </a:cxn>
+              <a:cxn ang="0">
+                <a:pos x="connsiteX1" y="connsiteY1"/>
+              </a:cxn>
+              <a:cxn ang="0">
+                <a:pos x="connsiteX2" y="connsiteY2"/>
+              </a:cxn>
+              <a:cxn ang="0">
+                <a:pos x="connsiteX3" y="connsiteY3"/>
+              </a:cxn>
+              <a:cxn ang="0">
+                <a:pos x="connsiteX4" y="connsiteY4"/>
+              </a:cxn>
+              <a:cxn ang="0">
+                <a:pos x="connsiteX5" y="connsiteY5"/>
+              </a:cxn>
+            </a:cxnLst>
+            <a:rect l="l" t="t" r="r" b="b"/>
+            <a:pathLst>
+              <a:path w="5394960" h="6858000">
+                <a:moveTo>
+                  <a:pt x="842596" y="0"/>
+                </a:moveTo>
+                <a:lnTo>
+                  <a:pt x="5394960" y="0"/>
+                </a:lnTo>
+                <a:lnTo>
+                  <a:pt x="5394960" y="21851"/>
+                </a:lnTo>
+                <a:lnTo>
+                  <a:pt x="4365943" y="6858000"/>
+                </a:lnTo>
+                <a:lnTo>
+                  <a:pt x="0" y="6858000"/>
+                </a:lnTo>
+                <a:lnTo>
+                  <a:pt x="0" y="5666154"/>
+                </a:lnTo>
+                <a:close/>
+              </a:path>
+            </a:pathLst>
+          </a:custGeom>
+          <a:noFill/>
+          <a:extLst>
+            <a:ext uri="{909E8E84-426E-40DD-AFC4-6F175D3DCCD1}">
+              <a14:hiddenFill xmlns:a14="http://schemas.microsoft.com/office/drawing/2010/main">
+                <a:solidFill>
+                  <a:srgbClr val="FFFFFF"/>
+                </a:solidFill>
+              </a14:hiddenFill>
+            </a:ext>
+          </a:extLst>
+        </p:spPr>
+      </p:pic>
+      <p:sp>
+        <p:nvSpPr>
+          <p:cNvPr id="74" name="Isosceles Triangle 73">
+            <a:extLst>
+              <a:ext uri="{FF2B5EF4-FFF2-40B4-BE49-F238E27FC236}">
+                <a16:creationId xmlns:a16="http://schemas.microsoft.com/office/drawing/2014/main" xmlns="" id="{3BCB5F6A-9EB0-40B0-9D13-3023E9A20508}"/>
+              </a:ext>
+            </a:extLst>
+          </p:cNvPr>
+          <p:cNvSpPr>
+            <a:spLocks noGrp="1" noRot="1" noChangeAspect="1" noMove="1" noResize="1" noEditPoints="1" noAdjustHandles="1" noChangeArrowheads="1" noChangeShapeType="1" noTextEdit="1"/>
+          </p:cNvSpPr>
+          <p:nvPr>
+            <p:extLst>
+              <p:ext uri="{386F3935-93C4-4BCD-93E2-E3B085C9AB24}">
+                <p16:designElem xmlns:p16="http://schemas.microsoft.com/office/powerpoint/2015/main" val="1"/>
+              </p:ext>
+            </p:extLst>
+          </p:nvPr>
+        </p:nvSpPr>
+        <p:spPr>
+          <a:xfrm rot="10800000">
+            <a:off x="0" y="0"/>
+            <a:ext cx="842596" cy="5666154"/>
+          </a:xfrm>
+          <a:prstGeom prst="triangle">
+            <a:avLst>
+              <a:gd name="adj" fmla="val 100000"/>
+            </a:avLst>
+          </a:prstGeom>
+          <a:solidFill>
+            <a:schemeClr val="accent1"/>
+          </a:solidFill>
+          <a:ln>
+            <a:noFill/>
+          </a:ln>
+          <a:effectLst/>
+        </p:spPr>
+        <p:style>
+          <a:lnRef idx="1">
+            <a:schemeClr val="accent1"/>
+          </a:lnRef>
+          <a:fillRef idx="3">
+            <a:schemeClr val="accent1"/>
+          </a:fillRef>
+          <a:effectRef idx="2">
+            <a:schemeClr val="accent1"/>
+          </a:effectRef>
+          <a:fontRef idx="minor">
+            <a:schemeClr val="lt1"/>
+          </a:fontRef>
+        </p:style>
+      </p:sp>
+      <p:sp>
+        <p:nvSpPr>
+          <p:cNvPr id="10" name="Rectangle 2"/>
+          <p:cNvSpPr>
+            <a:spLocks noChangeArrowheads="1"/>
+          </p:cNvSpPr>
+          <p:nvPr/>
+        </p:nvSpPr>
+        <p:spPr bwMode="auto">
+          <a:xfrm>
+            <a:off x="1030287" y="4527749"/>
+            <a:ext cx="12192000" cy="457200"/>
+          </a:xfrm>
+          <a:prstGeom prst="rect">
+            <a:avLst/>
+          </a:prstGeom>
+          <a:noFill/>
+          <a:ln>
+            <a:noFill/>
+          </a:ln>
+          <a:effectLst/>
+          <a:extLst>
+            <a:ext uri="{909E8E84-426E-40DD-AFC4-6F175D3DCCD1}">
+              <a14:hiddenFill xmlns:a14="http://schemas.microsoft.com/office/drawing/2010/main">
+                <a:solidFill>
+                  <a:schemeClr val="accent1"/>
+                </a:solidFill>
+              </a14:hiddenFill>
+            </a:ext>
+            <a:ext uri="{91240B29-F687-4F45-9708-019B960494DF}">
+              <a14:hiddenLine xmlns:a14="http://schemas.microsoft.com/office/drawing/2010/main" w="9525">
+                <a:solidFill>
+                  <a:schemeClr val="tx1"/>
+                </a:solidFill>
+                <a:miter lim="800000"/>
+                <a:headEnd/>
+                <a:tailEnd/>
+              </a14:hiddenLine>
+            </a:ext>
+            <a:ext uri="{AF507438-7753-43E0-B8FC-AC1667EBCBE1}">
+              <a14:hiddenEffects xmlns:a14="http://schemas.microsoft.com/office/drawing/2010/main">
+                <a:effectLst>
+                  <a:outerShdw dist="35921" dir="2700000" algn="ctr" rotWithShape="0">
+                    <a:schemeClr val="bg2"/>
+                  </a:outerShdw>
+                </a:effectLst>
+              </a14:hiddenEffects>
+            </a:ext>
+          </a:extLst>
+        </p:spPr>
+        <p:txBody>
+          <a:bodyPr vert="horz" wrap="none" lIns="91440" tIns="45720" rIns="91440" bIns="45720" numCol="1" anchor="ctr" anchorCtr="0" compatLnSpc="1">
+            <a:prstTxWarp prst="textNoShape">
+              <a:avLst/>
+            </a:prstTxWarp>
+            <a:spAutoFit/>
+          </a:bodyPr>
+          <a:lstStyle/>
+          <a:p>
+            <a:endParaRPr lang="en-US"/>
+          </a:p>
+        </p:txBody>
+      </p:sp>
       <p:sp>
         <p:nvSpPr>
           <p:cNvPr id="2" name="Title 1"/>
@@ -14833,22 +15409,34 @@
             <p:ph type="title"/>
           </p:nvPr>
         </p:nvSpPr>
-        <p:spPr/>
+        <p:spPr>
+          <a:xfrm>
+            <a:off x="5536734" y="609600"/>
+            <a:ext cx="3737268" cy="1320800"/>
+          </a:xfrm>
+        </p:spPr>
         <p:txBody>
-          <a:bodyPr/>
+          <a:bodyPr>
+            <a:normAutofit/>
+          </a:bodyPr>
           <a:lstStyle/>
           <a:p>
             <a:r>
-              <a:rPr lang="en-US" dirty="0" smtClean="0"/>
-              <a:t>Summary</a:t>
-            </a:r>
-            <a:endParaRPr lang="en-US" dirty="0"/>
+              <a:rPr lang="en-US" dirty="0"/>
+              <a:t>Searching for the best Dropout</a:t>
+            </a:r>
           </a:p>
         </p:txBody>
       </p:sp>
       <p:sp>
         <p:nvSpPr>
-          <p:cNvPr id="3" name="Content Placeholder 2"/>
+          <p:cNvPr id="2055" name="Content Placeholder 2054">
+            <a:extLst>
+              <a:ext uri="{FF2B5EF4-FFF2-40B4-BE49-F238E27FC236}">
+                <a16:creationId xmlns:a16="http://schemas.microsoft.com/office/drawing/2014/main" xmlns="" id="{7CA6CE8A-AEA3-41FD-92F7-E1450D5CC5FC}"/>
+              </a:ext>
+            </a:extLst>
+          </p:cNvPr>
           <p:cNvSpPr>
             <a:spLocks noGrp="1"/>
           </p:cNvSpPr>
@@ -14856,73 +15444,49 @@
             <p:ph idx="1"/>
           </p:nvPr>
         </p:nvSpPr>
-        <p:spPr/>
+        <p:spPr>
+          <a:xfrm>
+            <a:off x="5209563" y="2160589"/>
+            <a:ext cx="4064439" cy="3880773"/>
+          </a:xfrm>
+        </p:spPr>
         <p:txBody>
           <a:bodyPr>
             <a:normAutofit/>
           </a:bodyPr>
           <a:lstStyle/>
           <a:p>
+            <a:pPr fontAlgn="base"/>
             <a:r>
               <a:rPr lang="en-US" dirty="0"/>
-              <a:t>We determined that the optimal way to train a CNN on the SVHN data with </a:t>
-            </a:r>
-            <a:r>
-              <a:rPr lang="en-US" dirty="0" err="1"/>
-              <a:t>Pytorch</a:t>
-            </a:r>
+              <a:t>Looking for a probability [0, 1]</a:t>
+            </a:r>
+          </a:p>
+          <a:p>
+            <a:pPr fontAlgn="base"/>
             <a:r>
               <a:rPr lang="en-US" dirty="0"/>
-              <a:t> and GPU is with Adam and a learning rate of 0.001 and a mini-batch size of 1000.  </a:t>
-            </a:r>
-            <a:endParaRPr lang="en-US" dirty="0" smtClean="0"/>
-          </a:p>
-          <a:p>
+              <a:t>Iterate thru range of potential values</a:t>
+            </a:r>
+          </a:p>
+          <a:p>
+            <a:pPr fontAlgn="base"/>
+            <a:r>
+              <a:rPr lang="en-US" dirty="0"/>
+              <a:t>Hold model constant, while varying just the dropout layer </a:t>
+            </a:r>
             <a:r>
               <a:rPr lang="en-US" dirty="0" smtClean="0"/>
-              <a:t>In </a:t>
-            </a:r>
-            <a:r>
-              <a:rPr lang="en-US" dirty="0"/>
-              <a:t>addition, normalization </a:t>
-            </a:r>
+              <a:t>probability</a:t>
+            </a:r>
+            <a:endParaRPr lang="en-US" dirty="0"/>
+          </a:p>
+          <a:p>
+            <a:pPr fontAlgn="base"/>
             <a:r>
               <a:rPr lang="en-US" dirty="0" smtClean="0"/>
-              <a:t>of images within each color channel improves prediction</a:t>
-            </a:r>
-            <a:r>
-              <a:rPr lang="en-US" dirty="0" smtClean="0"/>
-              <a:t>.  </a:t>
-            </a:r>
-          </a:p>
-          <a:p>
-            <a:r>
-              <a:rPr lang="en-US" dirty="0" smtClean="0"/>
-              <a:t>Dropout layer </a:t>
-            </a:r>
-            <a:r>
-              <a:rPr lang="en-US" smtClean="0"/>
-              <a:t>improved performance</a:t>
-            </a:r>
-            <a:endParaRPr lang="en-US" dirty="0" smtClean="0"/>
-          </a:p>
-          <a:p>
-            <a:r>
-              <a:rPr lang="en-US" dirty="0" smtClean="0"/>
-              <a:t>The </a:t>
-            </a:r>
-            <a:r>
-              <a:rPr lang="en-US" dirty="0"/>
-              <a:t>best CNN model has 3 convolution layers and 656,830 parameters and is able to classify 91.6% of the test images correctly.  </a:t>
-            </a:r>
-          </a:p>
-          <a:p>
-            <a:r>
-              <a:rPr lang="en-US" dirty="0"/>
-              <a:t>Additional parameters that might result in improved performance include padding in the convolution layer.  </a:t>
-            </a:r>
-          </a:p>
-          <a:p>
+              <a:t>P=0.47 performed the best</a:t>
+            </a:r>
             <a:endParaRPr lang="en-US" dirty="0"/>
           </a:p>
         </p:txBody>
@@ -14930,20 +15494,13 @@
     </p:spTree>
     <p:extLst>
       <p:ext uri="{BB962C8B-B14F-4D97-AF65-F5344CB8AC3E}">
-        <p14:creationId xmlns:p14="http://schemas.microsoft.com/office/powerpoint/2010/main" val="3783110651"/>
+        <p14:creationId xmlns:p14="http://schemas.microsoft.com/office/powerpoint/2010/main" val="384885945"/>
       </p:ext>
     </p:extLst>
   </p:cSld>
   <p:clrMapOvr>
     <a:masterClrMapping/>
   </p:clrMapOvr>
-  <p:timing>
-    <p:tnLst>
-      <p:par>
-        <p:cTn id="1" dur="indefinite" restart="never" nodeType="tmRoot"/>
-      </p:par>
-    </p:tnLst>
-  </p:timing>
 </p:sld>
 </file>
 
@@ -14981,7 +15538,7 @@
           <a:p>
             <a:r>
               <a:rPr lang="en-US" dirty="0" smtClean="0"/>
-              <a:t>References</a:t>
+              <a:t>Tweaking the network</a:t>
             </a:r>
             <a:endParaRPr lang="en-US" dirty="0"/>
           </a:p>
@@ -14997,105 +15554,386 @@
             <p:ph idx="1"/>
           </p:nvPr>
         </p:nvSpPr>
-        <p:spPr/>
+        <p:spPr>
+          <a:xfrm>
+            <a:off x="5121116" y="1270000"/>
+            <a:ext cx="4595761" cy="2552853"/>
+          </a:xfrm>
+        </p:spPr>
         <p:txBody>
-          <a:bodyPr/>
+          <a:bodyPr>
+            <a:normAutofit/>
+          </a:bodyPr>
           <a:lstStyle/>
           <a:p>
-            <a:pPr marL="0" indent="0">
-              <a:buNone/>
+            <a:pPr>
+              <a:buFont typeface="Wingdings" panose="05000000000000000000" pitchFamily="2" charset="2"/>
+              <a:buChar char="Ø"/>
             </a:pPr>
+            <a:r>
+              <a:rPr lang="en-US" dirty="0" smtClean="0"/>
+              <a:t>Add padding=2 to each Conv layer</a:t>
+            </a:r>
+          </a:p>
+          <a:p>
+            <a:pPr>
+              <a:buFont typeface="Wingdings" panose="05000000000000000000" pitchFamily="2" charset="2"/>
+              <a:buChar char="Ø"/>
+            </a:pPr>
+            <a:r>
+              <a:rPr lang="en-US" dirty="0" smtClean="0"/>
+              <a:t>Change </a:t>
+            </a:r>
+            <a:r>
+              <a:rPr lang="en-US" dirty="0" err="1" smtClean="0"/>
+              <a:t>MaxPool</a:t>
+            </a:r>
+            <a:r>
+              <a:rPr lang="en-US" dirty="0" smtClean="0"/>
+              <a:t> stride to 2, preventing redundancies</a:t>
+            </a:r>
+            <a:endParaRPr lang="en-US" dirty="0" smtClean="0"/>
+          </a:p>
+          <a:p>
+            <a:pPr>
+              <a:buFont typeface="Wingdings" panose="05000000000000000000" pitchFamily="2" charset="2"/>
+              <a:buChar char="Ø"/>
+            </a:pPr>
+            <a:r>
+              <a:rPr lang="en-US" dirty="0" smtClean="0"/>
+              <a:t>Update dropout layer with the ideal parameter we found previously</a:t>
+            </a:r>
+          </a:p>
+          <a:p>
+            <a:pPr>
+              <a:buFont typeface="Wingdings" panose="05000000000000000000" pitchFamily="2" charset="2"/>
+              <a:buChar char="Ø"/>
+            </a:pPr>
+            <a:r>
+              <a:rPr lang="en-US" dirty="0" smtClean="0"/>
+              <a:t>Ultimately resulted in 92.356% accuracy on test set!</a:t>
+            </a:r>
+            <a:endParaRPr lang="en-US" dirty="0" smtClean="0"/>
+          </a:p>
+          <a:p>
+            <a:pPr>
+              <a:buFont typeface="Wingdings" panose="05000000000000000000" pitchFamily="2" charset="2"/>
+              <a:buChar char="Ø"/>
+            </a:pPr>
+            <a:endParaRPr lang="en-US" dirty="0" smtClean="0"/>
+          </a:p>
+        </p:txBody>
+      </p:sp>
+      <p:sp>
+        <p:nvSpPr>
+          <p:cNvPr id="4" name="Rectangle 3"/>
+          <p:cNvSpPr/>
+          <p:nvPr/>
+        </p:nvSpPr>
+        <p:spPr>
+          <a:xfrm>
+            <a:off x="674315" y="1270000"/>
+            <a:ext cx="4668866" cy="4756227"/>
+          </a:xfrm>
+          <a:prstGeom prst="rect">
+            <a:avLst/>
+          </a:prstGeom>
+        </p:spPr>
+        <p:txBody>
+          <a:bodyPr wrap="square">
+            <a:spAutoFit/>
+          </a:bodyPr>
+          <a:lstStyle/>
+          <a:p>
+            <a:r>
+              <a:rPr lang="en-US" dirty="0"/>
+              <a:t>model = </a:t>
+            </a:r>
+            <a:r>
+              <a:rPr lang="en-US" dirty="0" err="1"/>
+              <a:t>torch.nn.Sequential</a:t>
+            </a:r>
+            <a:r>
+              <a:rPr lang="en-US" dirty="0"/>
+              <a:t>(</a:t>
+            </a:r>
+          </a:p>
+          <a:p>
+            <a:r>
+              <a:rPr lang="en-US" dirty="0"/>
+              <a:t>        </a:t>
+            </a:r>
+            <a:r>
+              <a:rPr lang="en-US" dirty="0" smtClean="0"/>
+              <a:t>torch.nn.Conv2d(3,20,5,padding=2),</a:t>
+            </a:r>
             <a:endParaRPr lang="en-US" dirty="0"/>
           </a:p>
           <a:p>
             <a:r>
+              <a:rPr lang="en-US" dirty="0"/>
+              <a:t>        torch.nn.MaxPool2d(2, stride=2),</a:t>
+            </a:r>
+          </a:p>
+          <a:p>
+            <a:r>
+              <a:rPr lang="en-US" dirty="0"/>
+              <a:t>        </a:t>
+            </a:r>
+            <a:r>
               <a:rPr lang="en-US" dirty="0" err="1"/>
-              <a:t>Diederik</a:t>
+              <a:t>torch.nn.ReLU</a:t>
             </a:r>
             <a:r>
               <a:rPr lang="en-US" dirty="0"/>
-              <a:t> P. </a:t>
+              <a:t>(),</a:t>
+            </a:r>
+          </a:p>
+          <a:p>
+            <a:r>
+              <a:rPr lang="en-US" dirty="0"/>
+              <a:t>        </a:t>
+            </a:r>
+            <a:r>
+              <a:rPr lang="en-US" dirty="0" smtClean="0"/>
+              <a:t>torch.nn.Conv2d(20,40,5,padding=2</a:t>
+            </a:r>
+            <a:r>
+              <a:rPr lang="en-US" dirty="0"/>
+              <a:t>),</a:t>
+            </a:r>
+            <a:endParaRPr lang="en-US" dirty="0"/>
+          </a:p>
+          <a:p>
+            <a:r>
+              <a:rPr lang="en-US" dirty="0"/>
+              <a:t>        torch.nn.MaxPool2d(2, </a:t>
+            </a:r>
+            <a:r>
+              <a:rPr lang="en-US" dirty="0" smtClean="0"/>
+              <a:t>stride=2),</a:t>
+            </a:r>
+            <a:endParaRPr lang="en-US" dirty="0"/>
+          </a:p>
+          <a:p>
+            <a:r>
+              <a:rPr lang="en-US" dirty="0"/>
+              <a:t>        </a:t>
             </a:r>
             <a:r>
               <a:rPr lang="en-US" dirty="0" err="1"/>
-              <a:t>Kingma</a:t>
+              <a:t>torch.nn.ReLU</a:t>
             </a:r>
             <a:r>
               <a:rPr lang="en-US" dirty="0"/>
-              <a:t>, Jimmy Ba Adam: A Method for Stochastic Optimization.  3rd International Conference for Learning Representations, San Diego, 2015</a:t>
-            </a:r>
-          </a:p>
-          <a:p>
-            <a:r>
-              <a:rPr lang="en-US" u="sng" dirty="0">
-                <a:hlinkClick r:id="rId2"/>
-              </a:rPr>
-              <a:t>http://ufldl.stanford.edu/housenumbers/</a:t>
+              <a:t>(),</a:t>
+            </a:r>
+          </a:p>
+          <a:p>
+            <a:r>
+              <a:rPr lang="en-US" dirty="0"/>
+              <a:t>        </a:t>
+            </a:r>
+            <a:r>
+              <a:rPr lang="en-US" dirty="0" smtClean="0"/>
+              <a:t>torch.nn.Conv2d(50,40,5</a:t>
+            </a:r>
+            <a:r>
+              <a:rPr lang="en-US" dirty="0" smtClean="0"/>
+              <a:t>,padding=2</a:t>
+            </a:r>
+            <a:r>
+              <a:rPr lang="en-US" dirty="0" smtClean="0"/>
+              <a:t>),</a:t>
             </a:r>
             <a:endParaRPr lang="en-US" dirty="0"/>
           </a:p>
           <a:p>
             <a:r>
               <a:rPr lang="en-US" dirty="0"/>
-              <a:t>Yuval </a:t>
+              <a:t>        torch.nn.MaxPool2d(2, </a:t>
+            </a:r>
+            <a:r>
+              <a:rPr lang="en-US" dirty="0" smtClean="0"/>
+              <a:t>stride=2),</a:t>
+            </a:r>
+            <a:endParaRPr lang="en-US" dirty="0"/>
+          </a:p>
+          <a:p>
+            <a:r>
+              <a:rPr lang="en-US" dirty="0"/>
+              <a:t>        </a:t>
             </a:r>
             <a:r>
               <a:rPr lang="en-US" dirty="0" err="1"/>
-              <a:t>Netzer</a:t>
+              <a:t>torch.nn.ReLU</a:t>
             </a:r>
             <a:r>
               <a:rPr lang="en-US" dirty="0"/>
-              <a:t>, Tao Wang, Adam Coates, Alessandro </a:t>
+              <a:t>(),</a:t>
+            </a:r>
+          </a:p>
+          <a:p>
+            <a:r>
+              <a:rPr lang="en-US" dirty="0"/>
+              <a:t>        </a:t>
+            </a:r>
+            <a:r>
+              <a:rPr lang="en-US" dirty="0" smtClean="0"/>
+              <a:t>torch.nn.Dropout2d(0.47),</a:t>
+            </a:r>
+            <a:endParaRPr lang="en-US" dirty="0"/>
+          </a:p>
+          <a:p>
+            <a:r>
+              <a:rPr lang="en-US" dirty="0"/>
+              <a:t>        Flatten(),</a:t>
+            </a:r>
+          </a:p>
+          <a:p>
+            <a:r>
+              <a:rPr lang="en-US" dirty="0"/>
+              <a:t>        </a:t>
+            </a:r>
+            <a:r>
+              <a:rPr lang="en-US" dirty="0" err="1" smtClean="0"/>
+              <a:t>torch.nn.Linear</a:t>
+            </a:r>
+            <a:r>
+              <a:rPr lang="en-US" dirty="0" smtClean="0"/>
+              <a:t>(640, 320), </a:t>
+            </a:r>
+            <a:endParaRPr lang="en-US" dirty="0"/>
+          </a:p>
+          <a:p>
+            <a:r>
+              <a:rPr lang="en-US" dirty="0"/>
+              <a:t>        </a:t>
             </a:r>
             <a:r>
               <a:rPr lang="en-US" dirty="0" err="1"/>
-              <a:t>Bissacco</a:t>
+              <a:t>torch.nn.ReLU</a:t>
             </a:r>
             <a:r>
               <a:rPr lang="en-US" dirty="0"/>
-              <a:t>, Bo Wu, Andrew Y. Ng </a:t>
-            </a:r>
-            <a:r>
-              <a:rPr lang="en-US" u="sng" dirty="0"/>
-              <a:t>Reading Digits in Natural Images with Unsupervised Feature Learning</a:t>
-            </a:r>
+              <a:t>(),</a:t>
+            </a:r>
+          </a:p>
+          <a:p>
             <a:r>
               <a:rPr lang="en-US" dirty="0"/>
-              <a:t> </a:t>
-            </a:r>
-            <a:r>
-              <a:rPr lang="en-US" i="1" dirty="0"/>
-              <a:t>NIPS Workshop on Deep Learning and Unsupervised Feature Learning 2011</a:t>
+              <a:t>        </a:t>
+            </a:r>
+            <a:r>
+              <a:rPr lang="en-US" dirty="0" err="1" smtClean="0"/>
+              <a:t>torch.nn.Linear</a:t>
+            </a:r>
+            <a:r>
+              <a:rPr lang="en-US" dirty="0" smtClean="0"/>
+              <a:t>(320</a:t>
             </a:r>
             <a:r>
               <a:rPr lang="en-US" dirty="0"/>
-              <a:t>.</a:t>
-            </a:r>
-          </a:p>
-          <a:p>
-            <a:r>
-              <a:rPr lang="en-US" u="sng" dirty="0">
-                <a:hlinkClick r:id="rId3"/>
-              </a:rPr>
-              <a:t>https://codetolight.wordpress.com/2017/11/30/getting-started-with-pytorch-for-deep-learning-part-3-5-pytorch-sequential/</a:t>
-            </a:r>
-            <a:endParaRPr lang="en-US" dirty="0"/>
+              <a:t>, 10), </a:t>
+            </a:r>
           </a:p>
           <a:p>
             <a:r>
               <a:rPr lang="en-US" dirty="0"/>
-              <a:t>pytorch.org</a:t>
-            </a:r>
-          </a:p>
-          <a:p>
-            <a:endParaRPr lang="en-US" dirty="0"/>
+              <a:t>        </a:t>
+            </a:r>
+            <a:r>
+              <a:rPr lang="en-US" dirty="0" err="1"/>
+              <a:t>torch.nn.LogSoftmax</a:t>
+            </a:r>
+            <a:r>
+              <a:rPr lang="en-US" dirty="0"/>
+              <a:t>()</a:t>
+            </a:r>
+          </a:p>
+          <a:p>
+            <a:r>
+              <a:rPr lang="en-US" dirty="0"/>
+              <a:t>        ).</a:t>
+            </a:r>
+            <a:r>
+              <a:rPr lang="en-US" dirty="0" err="1"/>
+              <a:t>cuda</a:t>
+            </a:r>
+            <a:r>
+              <a:rPr lang="en-US" dirty="0"/>
+              <a:t>()</a:t>
+            </a:r>
+          </a:p>
+        </p:txBody>
+      </p:sp>
+      <p:sp>
+        <p:nvSpPr>
+          <p:cNvPr id="10" name="Rectangle 2"/>
+          <p:cNvSpPr>
+            <a:spLocks noChangeArrowheads="1"/>
+          </p:cNvSpPr>
+          <p:nvPr/>
+        </p:nvSpPr>
+        <p:spPr bwMode="auto">
+          <a:xfrm>
+            <a:off x="1030287" y="4527749"/>
+            <a:ext cx="12192000" cy="457200"/>
+          </a:xfrm>
+          <a:prstGeom prst="rect">
+            <a:avLst/>
+          </a:prstGeom>
+          <a:noFill/>
+          <a:ln>
+            <a:noFill/>
+          </a:ln>
+          <a:effectLst/>
+          <a:extLst>
+            <a:ext uri="{909E8E84-426E-40DD-AFC4-6F175D3DCCD1}">
+              <a14:hiddenFill xmlns:a14="http://schemas.microsoft.com/office/drawing/2010/main">
+                <a:solidFill>
+                  <a:schemeClr val="accent1"/>
+                </a:solidFill>
+              </a14:hiddenFill>
+            </a:ext>
+            <a:ext uri="{91240B29-F687-4F45-9708-019B960494DF}">
+              <a14:hiddenLine xmlns:a14="http://schemas.microsoft.com/office/drawing/2010/main" w="9525">
+                <a:solidFill>
+                  <a:schemeClr val="tx1"/>
+                </a:solidFill>
+                <a:miter lim="800000"/>
+                <a:headEnd/>
+                <a:tailEnd/>
+              </a14:hiddenLine>
+            </a:ext>
+            <a:ext uri="{AF507438-7753-43E0-B8FC-AC1667EBCBE1}">
+              <a14:hiddenEffects xmlns:a14="http://schemas.microsoft.com/office/drawing/2010/main">
+                <a:effectLst>
+                  <a:outerShdw dist="35921" dir="2700000" algn="ctr" rotWithShape="0">
+                    <a:schemeClr val="bg2"/>
+                  </a:outerShdw>
+                </a:effectLst>
+              </a14:hiddenEffects>
+            </a:ext>
+          </a:extLst>
+        </p:spPr>
+        <p:txBody>
+          <a:bodyPr vert="horz" wrap="none" lIns="91440" tIns="45720" rIns="91440" bIns="45720" numCol="1" anchor="ctr" anchorCtr="0" compatLnSpc="1">
+            <a:prstTxWarp prst="textNoShape">
+              <a:avLst/>
+            </a:prstTxWarp>
+            <a:spAutoFit/>
+          </a:bodyPr>
+          <a:lstStyle/>
+          <a:p>
+            <a:endParaRPr lang="en-US"/>
           </a:p>
         </p:txBody>
       </p:sp>
     </p:spTree>
     <p:extLst>
       <p:ext uri="{BB962C8B-B14F-4D97-AF65-F5344CB8AC3E}">
-        <p14:creationId xmlns:p14="http://schemas.microsoft.com/office/powerpoint/2010/main" val="421612421"/>
+        <p14:creationId xmlns:p14="http://schemas.microsoft.com/office/powerpoint/2010/main" val="2101132673"/>
       </p:ext>
     </p:extLst>
   </p:cSld>
@@ -15112,7 +15950,7 @@
 </p:sld>
 </file>
 
-<file path=ppt/slides/slide2.xml><?xml version="1.0" encoding="utf-8"?>
+<file path=ppt/slides/slide15.xml><?xml version="1.0" encoding="utf-8"?>
 <p:sld xmlns:a="http://schemas.openxmlformats.org/drawingml/2006/main" xmlns:r="http://schemas.openxmlformats.org/officeDocument/2006/relationships" xmlns:p="http://schemas.openxmlformats.org/presentationml/2006/main">
   <p:cSld>
     <p:spTree>
@@ -15146,7 +15984,258 @@
           <a:p>
             <a:r>
               <a:rPr lang="en-US" dirty="0" smtClean="0"/>
-              <a:t>Description of dataset</a:t>
+              <a:t>Summary</a:t>
+            </a:r>
+            <a:endParaRPr lang="en-US" dirty="0"/>
+          </a:p>
+        </p:txBody>
+      </p:sp>
+      <p:sp>
+        <p:nvSpPr>
+          <p:cNvPr id="3" name="Content Placeholder 2"/>
+          <p:cNvSpPr>
+            <a:spLocks noGrp="1"/>
+          </p:cNvSpPr>
+          <p:nvPr>
+            <p:ph idx="1"/>
+          </p:nvPr>
+        </p:nvSpPr>
+        <p:spPr/>
+        <p:txBody>
+          <a:bodyPr>
+            <a:normAutofit/>
+          </a:bodyPr>
+          <a:lstStyle/>
+          <a:p>
+            <a:r>
+              <a:rPr lang="en-US" dirty="0"/>
+              <a:t>We determined that the optimal way to train a CNN on the SVHN data with </a:t>
+            </a:r>
+            <a:r>
+              <a:rPr lang="en-US" dirty="0" err="1"/>
+              <a:t>Pytorch</a:t>
+            </a:r>
+            <a:r>
+              <a:rPr lang="en-US" dirty="0"/>
+              <a:t> and GPU is with Adam and a learning rate of 0.001 and a mini-batch size of 1000.  </a:t>
+            </a:r>
+            <a:endParaRPr lang="en-US" dirty="0" smtClean="0"/>
+          </a:p>
+          <a:p>
+            <a:r>
+              <a:rPr lang="en-US" dirty="0" smtClean="0"/>
+              <a:t>In </a:t>
+            </a:r>
+            <a:r>
+              <a:rPr lang="en-US" dirty="0"/>
+              <a:t>addition, normalization </a:t>
+            </a:r>
+            <a:r>
+              <a:rPr lang="en-US" dirty="0" smtClean="0"/>
+              <a:t>of images within each color channel improves prediction.  </a:t>
+            </a:r>
+          </a:p>
+          <a:p>
+            <a:r>
+              <a:rPr lang="en-US" dirty="0" smtClean="0"/>
+              <a:t>Dropout layer </a:t>
+            </a:r>
+            <a:r>
+              <a:rPr lang="en-US" smtClean="0"/>
+              <a:t>improved performance</a:t>
+            </a:r>
+            <a:endParaRPr lang="en-US" dirty="0" smtClean="0"/>
+          </a:p>
+          <a:p>
+            <a:r>
+              <a:rPr lang="en-US" dirty="0" smtClean="0"/>
+              <a:t>The </a:t>
+            </a:r>
+            <a:r>
+              <a:rPr lang="en-US" dirty="0"/>
+              <a:t>best CNN model has 3 convolution layers and 656,830 parameters and is able to classify 91.6% of the test images correctly.  </a:t>
+            </a:r>
+          </a:p>
+          <a:p>
+            <a:r>
+              <a:rPr lang="en-US" dirty="0"/>
+              <a:t>Additional parameters that might result in improved performance include padding in the convolution layer.  </a:t>
+            </a:r>
+          </a:p>
+          <a:p>
+            <a:endParaRPr lang="en-US" dirty="0"/>
+          </a:p>
+        </p:txBody>
+      </p:sp>
+    </p:spTree>
+    <p:extLst>
+      <p:ext uri="{BB962C8B-B14F-4D97-AF65-F5344CB8AC3E}">
+        <p14:creationId xmlns:p14="http://schemas.microsoft.com/office/powerpoint/2010/main" val="3783110651"/>
+      </p:ext>
+    </p:extLst>
+  </p:cSld>
+  <p:clrMapOvr>
+    <a:masterClrMapping/>
+  </p:clrMapOvr>
+  <p:timing>
+    <p:tnLst>
+      <p:par>
+        <p:cTn id="1" dur="indefinite" restart="never" nodeType="tmRoot"/>
+      </p:par>
+    </p:tnLst>
+  </p:timing>
+</p:sld>
+</file>
+
+<file path=ppt/slides/slide16.xml><?xml version="1.0" encoding="utf-8"?>
+<p:sld xmlns:a="http://schemas.openxmlformats.org/drawingml/2006/main" xmlns:r="http://schemas.openxmlformats.org/officeDocument/2006/relationships" xmlns:p="http://schemas.openxmlformats.org/presentationml/2006/main">
+  <p:cSld>
+    <p:spTree>
+      <p:nvGrpSpPr>
+        <p:cNvPr id="1" name=""/>
+        <p:cNvGrpSpPr/>
+        <p:nvPr/>
+      </p:nvGrpSpPr>
+      <p:grpSpPr>
+        <a:xfrm>
+          <a:off x="0" y="0"/>
+          <a:ext cx="0" cy="0"/>
+          <a:chOff x="0" y="0"/>
+          <a:chExt cx="0" cy="0"/>
+        </a:xfrm>
+      </p:grpSpPr>
+      <p:sp>
+        <p:nvSpPr>
+          <p:cNvPr id="2" name="Title 1"/>
+          <p:cNvSpPr>
+            <a:spLocks noGrp="1"/>
+          </p:cNvSpPr>
+          <p:nvPr>
+            <p:ph type="title"/>
+          </p:nvPr>
+        </p:nvSpPr>
+        <p:spPr/>
+        <p:txBody>
+          <a:bodyPr/>
+          <a:lstStyle/>
+          <a:p>
+            <a:r>
+              <a:rPr lang="en-US" dirty="0" smtClean="0"/>
+              <a:t>Future work</a:t>
+            </a:r>
+            <a:endParaRPr lang="en-US" dirty="0"/>
+          </a:p>
+        </p:txBody>
+      </p:sp>
+      <p:sp>
+        <p:nvSpPr>
+          <p:cNvPr id="3" name="Content Placeholder 2"/>
+          <p:cNvSpPr>
+            <a:spLocks noGrp="1"/>
+          </p:cNvSpPr>
+          <p:nvPr>
+            <p:ph idx="1"/>
+          </p:nvPr>
+        </p:nvSpPr>
+        <p:spPr/>
+        <p:txBody>
+          <a:bodyPr>
+            <a:normAutofit/>
+          </a:bodyPr>
+          <a:lstStyle/>
+          <a:p>
+            <a:r>
+              <a:rPr lang="en-US" dirty="0" smtClean="0"/>
+              <a:t>More Conv layers</a:t>
+            </a:r>
+          </a:p>
+          <a:p>
+            <a:pPr lvl="1"/>
+            <a:r>
+              <a:rPr lang="en-US" dirty="0" smtClean="0"/>
+              <a:t>Different kernel configurations</a:t>
+            </a:r>
+          </a:p>
+          <a:p>
+            <a:r>
+              <a:rPr lang="en-US" dirty="0" smtClean="0"/>
+              <a:t>More epochs</a:t>
+            </a:r>
+          </a:p>
+          <a:p>
+            <a:r>
+              <a:rPr lang="en-US" dirty="0" smtClean="0"/>
+              <a:t>YOLO/SSD?</a:t>
+            </a:r>
+          </a:p>
+          <a:p>
+            <a:r>
+              <a:rPr lang="en-US" dirty="0"/>
+              <a:t>Capsule </a:t>
+            </a:r>
+            <a:r>
+              <a:rPr lang="en-US" dirty="0" smtClean="0"/>
+              <a:t>networks</a:t>
+            </a:r>
+            <a:endParaRPr lang="en-US" dirty="0"/>
+          </a:p>
+        </p:txBody>
+      </p:sp>
+    </p:spTree>
+    <p:extLst>
+      <p:ext uri="{BB962C8B-B14F-4D97-AF65-F5344CB8AC3E}">
+        <p14:creationId xmlns:p14="http://schemas.microsoft.com/office/powerpoint/2010/main" val="766803902"/>
+      </p:ext>
+    </p:extLst>
+  </p:cSld>
+  <p:clrMapOvr>
+    <a:masterClrMapping/>
+  </p:clrMapOvr>
+  <p:timing>
+    <p:tnLst>
+      <p:par>
+        <p:cTn id="1" dur="indefinite" restart="never" nodeType="tmRoot"/>
+      </p:par>
+    </p:tnLst>
+  </p:timing>
+</p:sld>
+</file>
+
+<file path=ppt/slides/slide17.xml><?xml version="1.0" encoding="utf-8"?>
+<p:sld xmlns:a="http://schemas.openxmlformats.org/drawingml/2006/main" xmlns:r="http://schemas.openxmlformats.org/officeDocument/2006/relationships" xmlns:p="http://schemas.openxmlformats.org/presentationml/2006/main">
+  <p:cSld>
+    <p:spTree>
+      <p:nvGrpSpPr>
+        <p:cNvPr id="1" name=""/>
+        <p:cNvGrpSpPr/>
+        <p:nvPr/>
+      </p:nvGrpSpPr>
+      <p:grpSpPr>
+        <a:xfrm>
+          <a:off x="0" y="0"/>
+          <a:ext cx="0" cy="0"/>
+          <a:chOff x="0" y="0"/>
+          <a:chExt cx="0" cy="0"/>
+        </a:xfrm>
+      </p:grpSpPr>
+      <p:sp>
+        <p:nvSpPr>
+          <p:cNvPr id="2" name="Title 1"/>
+          <p:cNvSpPr>
+            <a:spLocks noGrp="1"/>
+          </p:cNvSpPr>
+          <p:nvPr>
+            <p:ph type="title"/>
+          </p:nvPr>
+        </p:nvSpPr>
+        <p:spPr/>
+        <p:txBody>
+          <a:bodyPr/>
+          <a:lstStyle/>
+          <a:p>
+            <a:r>
+              <a:rPr lang="en-US" dirty="0" smtClean="0"/>
+              <a:t>References</a:t>
             </a:r>
             <a:endParaRPr lang="en-US" dirty="0"/>
           </a:p>
@@ -15167,61 +16256,89 @@
           <a:bodyPr/>
           <a:lstStyle/>
           <a:p>
+            <a:pPr marL="0" indent="0">
+              <a:buNone/>
+            </a:pPr>
+            <a:endParaRPr lang="en-US" dirty="0"/>
+          </a:p>
+          <a:p>
+            <a:r>
+              <a:rPr lang="en-US" dirty="0" err="1"/>
+              <a:t>Diederik</a:t>
+            </a:r>
             <a:r>
               <a:rPr lang="en-US" dirty="0"/>
-              <a:t>The Street View House Numbers (SVHN) Dataset consists of images of house numbers in Google Street View images.  </a:t>
-            </a:r>
-            <a:endParaRPr lang="en-US" dirty="0" smtClean="0"/>
-          </a:p>
-          <a:p>
-            <a:r>
-              <a:rPr lang="en-US" dirty="0" smtClean="0"/>
-              <a:t>Each </a:t>
+              <a:t> P. </a:t>
+            </a:r>
+            <a:r>
+              <a:rPr lang="en-US" dirty="0" err="1"/>
+              <a:t>Kingma</a:t>
             </a:r>
             <a:r>
               <a:rPr lang="en-US" dirty="0"/>
-              <a:t>image is classified as 1 of 10 digits from 0 to 9.  </a:t>
-            </a:r>
-            <a:endParaRPr lang="en-US" dirty="0" smtClean="0"/>
-          </a:p>
-          <a:p>
-            <a:r>
-              <a:rPr lang="en-US" dirty="0" smtClean="0"/>
-              <a:t>There </a:t>
-            </a:r>
+              <a:t>, Jimmy Ba Adam: A Method for Stochastic Optimization.  3rd International Conference for Learning Representations, San Diego, 2015</a:t>
+            </a:r>
+          </a:p>
+          <a:p>
+            <a:r>
+              <a:rPr lang="en-US" u="sng" dirty="0">
+                <a:hlinkClick r:id="rId2"/>
+              </a:rPr>
+              <a:t>http://ufldl.stanford.edu/housenumbers/</a:t>
+            </a:r>
+            <a:endParaRPr lang="en-US" dirty="0"/>
+          </a:p>
+          <a:p>
             <a:r>
               <a:rPr lang="en-US" dirty="0"/>
-              <a:t>are 73257 digits for </a:t>
-            </a:r>
-            <a:r>
-              <a:rPr lang="en-US" dirty="0" smtClean="0"/>
-              <a:t>training/validation </a:t>
+              <a:t>Yuval </a:t>
+            </a:r>
+            <a:r>
+              <a:rPr lang="en-US" dirty="0" err="1"/>
+              <a:t>Netzer</a:t>
             </a:r>
             <a:r>
               <a:rPr lang="en-US" dirty="0"/>
-              <a:t>and 26032 digits for testing.  </a:t>
-            </a:r>
-            <a:endParaRPr lang="en-US" dirty="0" smtClean="0"/>
-          </a:p>
-          <a:p>
-            <a:r>
-              <a:rPr lang="en-US" dirty="0" smtClean="0"/>
-              <a:t>images </a:t>
+              <a:t>, Tao Wang, Adam Coates, Alessandro </a:t>
+            </a:r>
+            <a:r>
+              <a:rPr lang="en-US" dirty="0" err="1"/>
+              <a:t>Bissacco</a:t>
             </a:r>
             <a:r>
               <a:rPr lang="en-US" dirty="0"/>
-              <a:t>that will be used for this project are cropped images of single characters resized to a resolution of 32-by-32 pixels.  </a:t>
-            </a:r>
-            <a:endParaRPr lang="en-US" dirty="0" smtClean="0"/>
-          </a:p>
-          <a:p>
-            <a:r>
-              <a:rPr lang="en-US" dirty="0" smtClean="0"/>
-              <a:t>The </a:t>
+              <a:t>, Bo Wu, Andrew Y. Ng </a:t>
+            </a:r>
+            <a:r>
+              <a:rPr lang="en-US" u="sng" dirty="0"/>
+              <a:t>Reading Digits in Natural Images with Unsupervised Feature Learning</a:t>
             </a:r>
             <a:r>
               <a:rPr lang="en-US" dirty="0"/>
-              <a:t>dimension of each images is 32X32X3.  3 represents values of red, green, and blue color channels in a color image.</a:t>
+              <a:t> </a:t>
+            </a:r>
+            <a:r>
+              <a:rPr lang="en-US" i="1" dirty="0"/>
+              <a:t>NIPS Workshop on Deep Learning and Unsupervised Feature Learning 2011</a:t>
+            </a:r>
+            <a:r>
+              <a:rPr lang="en-US" dirty="0"/>
+              <a:t>.</a:t>
+            </a:r>
+          </a:p>
+          <a:p>
+            <a:r>
+              <a:rPr lang="en-US" u="sng" dirty="0">
+                <a:hlinkClick r:id="rId3"/>
+              </a:rPr>
+              <a:t>https://codetolight.wordpress.com/2017/11/30/getting-started-with-pytorch-for-deep-learning-part-3-5-pytorch-sequential/</a:t>
+            </a:r>
+            <a:endParaRPr lang="en-US" dirty="0"/>
+          </a:p>
+          <a:p>
+            <a:r>
+              <a:rPr lang="en-US" dirty="0"/>
+              <a:t>pytorch.org</a:t>
             </a:r>
           </a:p>
           <a:p>
@@ -15232,7 +16349,7 @@
     </p:spTree>
     <p:extLst>
       <p:ext uri="{BB962C8B-B14F-4D97-AF65-F5344CB8AC3E}">
-        <p14:creationId xmlns:p14="http://schemas.microsoft.com/office/powerpoint/2010/main" val="1458997260"/>
+        <p14:creationId xmlns:p14="http://schemas.microsoft.com/office/powerpoint/2010/main" val="421612421"/>
       </p:ext>
     </p:extLst>
   </p:cSld>
@@ -15246,6 +16363,286 @@
       </p:par>
     </p:tnLst>
   </p:timing>
+</p:sld>
+</file>
+
+<file path=ppt/slides/slide2.xml><?xml version="1.0" encoding="utf-8"?>
+<p:sld xmlns:a="http://schemas.openxmlformats.org/drawingml/2006/main" xmlns:r="http://schemas.openxmlformats.org/officeDocument/2006/relationships" xmlns:p="http://schemas.openxmlformats.org/presentationml/2006/main">
+  <p:cSld>
+    <p:bg>
+      <p:bgPr>
+        <a:solidFill>
+          <a:schemeClr val="bg1"/>
+        </a:solidFill>
+        <a:effectLst/>
+      </p:bgPr>
+    </p:bg>
+    <p:spTree>
+      <p:nvGrpSpPr>
+        <p:cNvPr id="1" name=""/>
+        <p:cNvGrpSpPr/>
+        <p:nvPr/>
+      </p:nvGrpSpPr>
+      <p:grpSpPr>
+        <a:xfrm>
+          <a:off x="0" y="0"/>
+          <a:ext cx="0" cy="0"/>
+          <a:chOff x="0" y="0"/>
+          <a:chExt cx="0" cy="0"/>
+        </a:xfrm>
+      </p:grpSpPr>
+      <p:pic>
+        <p:nvPicPr>
+          <p:cNvPr id="1029" name="Picture 2" descr="https://lh4.googleusercontent.com/_zm40ME_TDXKbZ8U5ZexbP2gYi_zGQhsbpBgxe_7TImtVJrwsE5-NITS2EN1DlAE5nhXJrBBdu62wYAvxb92izbnv_reCLOiuHw0nRb7za2Eyp_SA83S8fXbwBoeJKw2IQNqk62Ru-Q"/>
+          <p:cNvPicPr>
+            <a:picLocks noChangeAspect="1" noChangeArrowheads="1"/>
+          </p:cNvPicPr>
+          <p:nvPr/>
+        </p:nvPicPr>
+        <p:blipFill rotWithShape="1">
+          <a:blip r:embed="rId2">
+            <a:extLst>
+              <a:ext uri="{28A0092B-C50C-407E-A947-70E740481C1C}">
+                <a14:useLocalDpi xmlns:a14="http://schemas.microsoft.com/office/drawing/2010/main" val="0"/>
+              </a:ext>
+            </a:extLst>
+          </a:blip>
+          <a:srcRect l="15532" r="31957" b="-2"/>
+          <a:stretch/>
+        </p:blipFill>
+        <p:spPr bwMode="auto">
+          <a:xfrm>
+            <a:off x="20" y="-1"/>
+            <a:ext cx="5394940" cy="6858001"/>
+          </a:xfrm>
+          <a:custGeom>
+            <a:avLst/>
+            <a:gdLst>
+              <a:gd name="connsiteX0" fmla="*/ 842596 w 5394960"/>
+              <a:gd name="connsiteY0" fmla="*/ 0 h 6858000"/>
+              <a:gd name="connsiteX1" fmla="*/ 5394960 w 5394960"/>
+              <a:gd name="connsiteY1" fmla="*/ 0 h 6858000"/>
+              <a:gd name="connsiteX2" fmla="*/ 5394960 w 5394960"/>
+              <a:gd name="connsiteY2" fmla="*/ 21851 h 6858000"/>
+              <a:gd name="connsiteX3" fmla="*/ 4365943 w 5394960"/>
+              <a:gd name="connsiteY3" fmla="*/ 6858000 h 6858000"/>
+              <a:gd name="connsiteX4" fmla="*/ 0 w 5394960"/>
+              <a:gd name="connsiteY4" fmla="*/ 6858000 h 6858000"/>
+              <a:gd name="connsiteX5" fmla="*/ 0 w 5394960"/>
+              <a:gd name="connsiteY5" fmla="*/ 5666154 h 6858000"/>
+            </a:gdLst>
+            <a:ahLst/>
+            <a:cxnLst>
+              <a:cxn ang="0">
+                <a:pos x="connsiteX0" y="connsiteY0"/>
+              </a:cxn>
+              <a:cxn ang="0">
+                <a:pos x="connsiteX1" y="connsiteY1"/>
+              </a:cxn>
+              <a:cxn ang="0">
+                <a:pos x="connsiteX2" y="connsiteY2"/>
+              </a:cxn>
+              <a:cxn ang="0">
+                <a:pos x="connsiteX3" y="connsiteY3"/>
+              </a:cxn>
+              <a:cxn ang="0">
+                <a:pos x="connsiteX4" y="connsiteY4"/>
+              </a:cxn>
+              <a:cxn ang="0">
+                <a:pos x="connsiteX5" y="connsiteY5"/>
+              </a:cxn>
+            </a:cxnLst>
+            <a:rect l="l" t="t" r="r" b="b"/>
+            <a:pathLst>
+              <a:path w="5394960" h="6858000">
+                <a:moveTo>
+                  <a:pt x="842596" y="0"/>
+                </a:moveTo>
+                <a:lnTo>
+                  <a:pt x="5394960" y="0"/>
+                </a:lnTo>
+                <a:lnTo>
+                  <a:pt x="5394960" y="21851"/>
+                </a:lnTo>
+                <a:lnTo>
+                  <a:pt x="4365943" y="6858000"/>
+                </a:lnTo>
+                <a:lnTo>
+                  <a:pt x="0" y="6858000"/>
+                </a:lnTo>
+                <a:lnTo>
+                  <a:pt x="0" y="5666154"/>
+                </a:lnTo>
+                <a:close/>
+              </a:path>
+            </a:pathLst>
+          </a:custGeom>
+          <a:noFill/>
+          <a:extLst>
+            <a:ext uri="{909E8E84-426E-40DD-AFC4-6F175D3DCCD1}">
+              <a14:hiddenFill xmlns:a14="http://schemas.microsoft.com/office/drawing/2010/main">
+                <a:solidFill>
+                  <a:srgbClr val="FFFFFF"/>
+                </a:solidFill>
+              </a14:hiddenFill>
+            </a:ext>
+          </a:extLst>
+        </p:spPr>
+      </p:pic>
+      <p:sp>
+        <p:nvSpPr>
+          <p:cNvPr id="74" name="Isosceles Triangle 73">
+            <a:extLst>
+              <a:ext uri="{FF2B5EF4-FFF2-40B4-BE49-F238E27FC236}">
+                <a16:creationId xmlns:a16="http://schemas.microsoft.com/office/drawing/2014/main" xmlns="" id="{3BCB5F6A-9EB0-40B0-9D13-3023E9A20508}"/>
+              </a:ext>
+            </a:extLst>
+          </p:cNvPr>
+          <p:cNvSpPr>
+            <a:spLocks noGrp="1" noRot="1" noChangeAspect="1" noMove="1" noResize="1" noEditPoints="1" noAdjustHandles="1" noChangeArrowheads="1" noChangeShapeType="1" noTextEdit="1"/>
+          </p:cNvSpPr>
+          <p:nvPr>
+            <p:extLst>
+              <p:ext uri="{386F3935-93C4-4BCD-93E2-E3B085C9AB24}">
+                <p16:designElem xmlns:p16="http://schemas.microsoft.com/office/powerpoint/2015/main" val="1"/>
+              </p:ext>
+            </p:extLst>
+          </p:nvPr>
+        </p:nvSpPr>
+        <p:spPr>
+          <a:xfrm rot="10800000">
+            <a:off x="0" y="0"/>
+            <a:ext cx="842596" cy="5666154"/>
+          </a:xfrm>
+          <a:prstGeom prst="triangle">
+            <a:avLst>
+              <a:gd name="adj" fmla="val 100000"/>
+            </a:avLst>
+          </a:prstGeom>
+          <a:solidFill>
+            <a:schemeClr val="accent1"/>
+          </a:solidFill>
+          <a:ln>
+            <a:noFill/>
+          </a:ln>
+          <a:effectLst/>
+        </p:spPr>
+        <p:style>
+          <a:lnRef idx="1">
+            <a:schemeClr val="accent1"/>
+          </a:lnRef>
+          <a:fillRef idx="3">
+            <a:schemeClr val="accent1"/>
+          </a:fillRef>
+          <a:effectRef idx="2">
+            <a:schemeClr val="accent1"/>
+          </a:effectRef>
+          <a:fontRef idx="minor">
+            <a:schemeClr val="lt1"/>
+          </a:fontRef>
+        </p:style>
+      </p:sp>
+      <p:sp>
+        <p:nvSpPr>
+          <p:cNvPr id="2" name="Title 1"/>
+          <p:cNvSpPr>
+            <a:spLocks noGrp="1"/>
+          </p:cNvSpPr>
+          <p:nvPr>
+            <p:ph type="title"/>
+          </p:nvPr>
+        </p:nvSpPr>
+        <p:spPr>
+          <a:xfrm>
+            <a:off x="5536734" y="609600"/>
+            <a:ext cx="3737268" cy="1320800"/>
+          </a:xfrm>
+        </p:spPr>
+        <p:txBody>
+          <a:bodyPr>
+            <a:normAutofit/>
+          </a:bodyPr>
+          <a:lstStyle/>
+          <a:p>
+            <a:r>
+              <a:rPr lang="en-US" dirty="0"/>
+              <a:t>Description of dataset</a:t>
+            </a:r>
+          </a:p>
+        </p:txBody>
+      </p:sp>
+      <p:sp>
+        <p:nvSpPr>
+          <p:cNvPr id="1031" name="Content Placeholder 1030">
+            <a:extLst>
+              <a:ext uri="{FF2B5EF4-FFF2-40B4-BE49-F238E27FC236}">
+                <a16:creationId xmlns:a16="http://schemas.microsoft.com/office/drawing/2014/main" xmlns="" id="{33C154E9-6CEF-48E0-9B8F-DA3CC25F90D5}"/>
+              </a:ext>
+            </a:extLst>
+          </p:cNvPr>
+          <p:cNvSpPr>
+            <a:spLocks noGrp="1"/>
+          </p:cNvSpPr>
+          <p:nvPr>
+            <p:ph idx="1"/>
+          </p:nvPr>
+        </p:nvSpPr>
+        <p:spPr>
+          <a:xfrm>
+            <a:off x="5209563" y="2160589"/>
+            <a:ext cx="4064439" cy="3880773"/>
+          </a:xfrm>
+        </p:spPr>
+        <p:txBody>
+          <a:bodyPr>
+            <a:normAutofit fontScale="85000" lnSpcReduction="20000"/>
+          </a:bodyPr>
+          <a:lstStyle/>
+          <a:p>
+            <a:r>
+              <a:rPr lang="en-US" dirty="0"/>
+              <a:t>The Street View House Numbers (SVHN) Dataset consists of images of house numbers in Google Street View images.  </a:t>
+            </a:r>
+          </a:p>
+          <a:p>
+            <a:r>
+              <a:rPr lang="en-US" dirty="0"/>
+              <a:t>Each image is classified as 1 of 10 digits from 0 to 9.  </a:t>
+            </a:r>
+          </a:p>
+          <a:p>
+            <a:r>
+              <a:rPr lang="en-US" dirty="0"/>
+              <a:t>There are 73257 digits for training/validation and 26032 digits for testing.  </a:t>
+            </a:r>
+          </a:p>
+          <a:p>
+            <a:r>
+              <a:rPr lang="en-US" dirty="0"/>
+              <a:t>images that will be used for this project are cropped images of single characters resized to a resolution of 32-by-32 pixels.  </a:t>
+            </a:r>
+          </a:p>
+          <a:p>
+            <a:r>
+              <a:rPr lang="en-US" dirty="0"/>
+              <a:t>The dimension of each images is 32X32X3.  3 represents values of red, green, and blue color channels in a color image.</a:t>
+            </a:r>
+          </a:p>
+          <a:p>
+            <a:endParaRPr lang="en-US" dirty="0"/>
+          </a:p>
+        </p:txBody>
+      </p:sp>
+    </p:spTree>
+    <p:extLst>
+      <p:ext uri="{BB962C8B-B14F-4D97-AF65-F5344CB8AC3E}">
+        <p14:creationId xmlns:p14="http://schemas.microsoft.com/office/powerpoint/2010/main" val="1280649854"/>
+      </p:ext>
+    </p:extLst>
+  </p:cSld>
+  <p:clrMapOvr>
+    <a:masterClrMapping/>
+  </p:clrMapOvr>
 </p:sld>
 </file>
 
@@ -27257,4 +28654,265 @@
     </a:ext>
   </a:extLst>
 </a:theme>
+</file>
+
+<file path=ppt/theme/theme2.xml><?xml version="1.0" encoding="utf-8"?>
+<a:theme xmlns:a="http://schemas.openxmlformats.org/drawingml/2006/main" name="Office Theme">
+  <a:themeElements>
+    <a:clrScheme name="Office">
+      <a:dk1>
+        <a:sysClr val="windowText" lastClr="000000"/>
+      </a:dk1>
+      <a:lt1>
+        <a:sysClr val="window" lastClr="FFFFFF"/>
+      </a:lt1>
+      <a:dk2>
+        <a:srgbClr val="44546A"/>
+      </a:dk2>
+      <a:lt2>
+        <a:srgbClr val="E7E6E6"/>
+      </a:lt2>
+      <a:accent1>
+        <a:srgbClr val="4472C4"/>
+      </a:accent1>
+      <a:accent2>
+        <a:srgbClr val="ED7D31"/>
+      </a:accent2>
+      <a:accent3>
+        <a:srgbClr val="A5A5A5"/>
+      </a:accent3>
+      <a:accent4>
+        <a:srgbClr val="FFC000"/>
+      </a:accent4>
+      <a:accent5>
+        <a:srgbClr val="5B9BD5"/>
+      </a:accent5>
+      <a:accent6>
+        <a:srgbClr val="70AD47"/>
+      </a:accent6>
+      <a:hlink>
+        <a:srgbClr val="0563C1"/>
+      </a:hlink>
+      <a:folHlink>
+        <a:srgbClr val="954F72"/>
+      </a:folHlink>
+    </a:clrScheme>
+    <a:fontScheme name="Office">
+      <a:majorFont>
+        <a:latin typeface="Calibri Light" panose="020F0302020204030204"/>
+        <a:ea typeface=""/>
+        <a:cs typeface=""/>
+        <a:font script="Jpan" typeface="Yu Gothic Light"/>
+        <a:font script="Hang" typeface="맑은 고딕"/>
+        <a:font script="Hans" typeface="DengXian Light"/>
+        <a:font script="Hant" typeface="新細明體"/>
+        <a:font script="Arab" typeface="Times New Roman"/>
+        <a:font script="Hebr" typeface="Times New Roman"/>
+        <a:font script="Thai" typeface="Angsana New"/>
+        <a:font script="Ethi" typeface="Nyala"/>
+        <a:font script="Beng" typeface="Vrinda"/>
+        <a:font script="Gujr" typeface="Shruti"/>
+        <a:font script="Khmr" typeface="MoolBoran"/>
+        <a:font script="Knda" typeface="Tunga"/>
+        <a:font script="Guru" typeface="Raavi"/>
+        <a:font script="Cans" typeface="Euphemia"/>
+        <a:font script="Cher" typeface="Plantagenet Cherokee"/>
+        <a:font script="Yiii" typeface="Microsoft Yi Baiti"/>
+        <a:font script="Tibt" typeface="Microsoft Himalaya"/>
+        <a:font script="Thaa" typeface="MV Boli"/>
+        <a:font script="Deva" typeface="Mangal"/>
+        <a:font script="Telu" typeface="Gautami"/>
+        <a:font script="Taml" typeface="Latha"/>
+        <a:font script="Syrc" typeface="Estrangelo Edessa"/>
+        <a:font script="Orya" typeface="Kalinga"/>
+        <a:font script="Mlym" typeface="Kartika"/>
+        <a:font script="Laoo" typeface="DokChampa"/>
+        <a:font script="Sinh" typeface="Iskoola Pota"/>
+        <a:font script="Mong" typeface="Mongolian Baiti"/>
+        <a:font script="Viet" typeface="Times New Roman"/>
+        <a:font script="Uigh" typeface="Microsoft Uighur"/>
+        <a:font script="Geor" typeface="Sylfaen"/>
+      </a:majorFont>
+      <a:minorFont>
+        <a:latin typeface="Calibri" panose="020F0502020204030204"/>
+        <a:ea typeface=""/>
+        <a:cs typeface=""/>
+        <a:font script="Jpan" typeface="Yu Gothic"/>
+        <a:font script="Hang" typeface="맑은 고딕"/>
+        <a:font script="Hans" typeface="DengXian"/>
+        <a:font script="Hant" typeface="新細明體"/>
+        <a:font script="Arab" typeface="Arial"/>
+        <a:font script="Hebr" typeface="Arial"/>
+        <a:font script="Thai" typeface="Cordia New"/>
+        <a:font script="Ethi" typeface="Nyala"/>
+        <a:font script="Beng" typeface="Vrinda"/>
+        <a:font script="Gujr" typeface="Shruti"/>
+        <a:font script="Khmr" typeface="DaunPenh"/>
+        <a:font script="Knda" typeface="Tunga"/>
+        <a:font script="Guru" typeface="Raavi"/>
+        <a:font script="Cans" typeface="Euphemia"/>
+        <a:font script="Cher" typeface="Plantagenet Cherokee"/>
+        <a:font script="Yiii" typeface="Microsoft Yi Baiti"/>
+        <a:font script="Tibt" typeface="Microsoft Himalaya"/>
+        <a:font script="Thaa" typeface="MV Boli"/>
+        <a:font script="Deva" typeface="Mangal"/>
+        <a:font script="Telu" typeface="Gautami"/>
+        <a:font script="Taml" typeface="Latha"/>
+        <a:font script="Syrc" typeface="Estrangelo Edessa"/>
+        <a:font script="Orya" typeface="Kalinga"/>
+        <a:font script="Mlym" typeface="Kartika"/>
+        <a:font script="Laoo" typeface="DokChampa"/>
+        <a:font script="Sinh" typeface="Iskoola Pota"/>
+        <a:font script="Mong" typeface="Mongolian Baiti"/>
+        <a:font script="Viet" typeface="Arial"/>
+        <a:font script="Uigh" typeface="Microsoft Uighur"/>
+        <a:font script="Geor" typeface="Sylfaen"/>
+      </a:minorFont>
+    </a:fontScheme>
+    <a:fmtScheme name="Office">
+      <a:fillStyleLst>
+        <a:solidFill>
+          <a:schemeClr val="phClr"/>
+        </a:solidFill>
+        <a:gradFill rotWithShape="1">
+          <a:gsLst>
+            <a:gs pos="0">
+              <a:schemeClr val="phClr">
+                <a:lumMod val="110000"/>
+                <a:satMod val="105000"/>
+                <a:tint val="67000"/>
+              </a:schemeClr>
+            </a:gs>
+            <a:gs pos="50000">
+              <a:schemeClr val="phClr">
+                <a:lumMod val="105000"/>
+                <a:satMod val="103000"/>
+                <a:tint val="73000"/>
+              </a:schemeClr>
+            </a:gs>
+            <a:gs pos="100000">
+              <a:schemeClr val="phClr">
+                <a:lumMod val="105000"/>
+                <a:satMod val="109000"/>
+                <a:tint val="81000"/>
+              </a:schemeClr>
+            </a:gs>
+          </a:gsLst>
+          <a:lin ang="5400000" scaled="0"/>
+        </a:gradFill>
+        <a:gradFill rotWithShape="1">
+          <a:gsLst>
+            <a:gs pos="0">
+              <a:schemeClr val="phClr">
+                <a:satMod val="103000"/>
+                <a:lumMod val="102000"/>
+                <a:tint val="94000"/>
+              </a:schemeClr>
+            </a:gs>
+            <a:gs pos="50000">
+              <a:schemeClr val="phClr">
+                <a:satMod val="110000"/>
+                <a:lumMod val="100000"/>
+                <a:shade val="100000"/>
+              </a:schemeClr>
+            </a:gs>
+            <a:gs pos="100000">
+              <a:schemeClr val="phClr">
+                <a:lumMod val="99000"/>
+                <a:satMod val="120000"/>
+                <a:shade val="78000"/>
+              </a:schemeClr>
+            </a:gs>
+          </a:gsLst>
+          <a:lin ang="5400000" scaled="0"/>
+        </a:gradFill>
+      </a:fillStyleLst>
+      <a:lnStyleLst>
+        <a:ln w="6350" cap="flat" cmpd="sng" algn="ctr">
+          <a:solidFill>
+            <a:schemeClr val="phClr"/>
+          </a:solidFill>
+          <a:prstDash val="solid"/>
+          <a:miter lim="800000"/>
+        </a:ln>
+        <a:ln w="12700" cap="flat" cmpd="sng" algn="ctr">
+          <a:solidFill>
+            <a:schemeClr val="phClr"/>
+          </a:solidFill>
+          <a:prstDash val="solid"/>
+          <a:miter lim="800000"/>
+        </a:ln>
+        <a:ln w="19050" cap="flat" cmpd="sng" algn="ctr">
+          <a:solidFill>
+            <a:schemeClr val="phClr"/>
+          </a:solidFill>
+          <a:prstDash val="solid"/>
+          <a:miter lim="800000"/>
+        </a:ln>
+      </a:lnStyleLst>
+      <a:effectStyleLst>
+        <a:effectStyle>
+          <a:effectLst/>
+        </a:effectStyle>
+        <a:effectStyle>
+          <a:effectLst/>
+        </a:effectStyle>
+        <a:effectStyle>
+          <a:effectLst>
+            <a:outerShdw blurRad="57150" dist="19050" dir="5400000" algn="ctr" rotWithShape="0">
+              <a:srgbClr val="000000">
+                <a:alpha val="63000"/>
+              </a:srgbClr>
+            </a:outerShdw>
+          </a:effectLst>
+        </a:effectStyle>
+      </a:effectStyleLst>
+      <a:bgFillStyleLst>
+        <a:solidFill>
+          <a:schemeClr val="phClr"/>
+        </a:solidFill>
+        <a:solidFill>
+          <a:schemeClr val="phClr">
+            <a:tint val="95000"/>
+            <a:satMod val="170000"/>
+          </a:schemeClr>
+        </a:solidFill>
+        <a:gradFill rotWithShape="1">
+          <a:gsLst>
+            <a:gs pos="0">
+              <a:schemeClr val="phClr">
+                <a:tint val="93000"/>
+                <a:satMod val="150000"/>
+                <a:shade val="98000"/>
+                <a:lumMod val="102000"/>
+              </a:schemeClr>
+            </a:gs>
+            <a:gs pos="50000">
+              <a:schemeClr val="phClr">
+                <a:tint val="98000"/>
+                <a:satMod val="130000"/>
+                <a:shade val="90000"/>
+                <a:lumMod val="103000"/>
+              </a:schemeClr>
+            </a:gs>
+            <a:gs pos="100000">
+              <a:schemeClr val="phClr">
+                <a:shade val="63000"/>
+                <a:satMod val="120000"/>
+              </a:schemeClr>
+            </a:gs>
+          </a:gsLst>
+          <a:lin ang="5400000" scaled="0"/>
+        </a:gradFill>
+      </a:bgFillStyleLst>
+    </a:fmtScheme>
+  </a:themeElements>
+  <a:objectDefaults/>
+  <a:extraClrSchemeLst/>
+  <a:extLst>
+    <a:ext uri="{05A4C25C-085E-4340-85A3-A5531E510DB2}">
+      <thm15:themeFamily xmlns:thm15="http://schemas.microsoft.com/office/thememl/2012/main" name="Office Theme" id="{62F939B6-93AF-4DB8-9C6B-D6C7DFDC589F}" vid="{4A3C46E8-61CC-4603-A589-7422A47A8E4A}"/>
+    </a:ext>
+  </a:extLst>
+</a:theme>
 </file>
--- a/Final-Group-Presentation/final group presentation.pptx
+++ b/Final-Group-Presentation/final group presentation.pptx
@@ -15288,7 +15288,7 @@
           <p:cNvPr id="74" name="Isosceles Triangle 73">
             <a:extLst>
               <a:ext uri="{FF2B5EF4-FFF2-40B4-BE49-F238E27FC236}">
-                <a16:creationId xmlns:a16="http://schemas.microsoft.com/office/drawing/2014/main" xmlns="" id="{3BCB5F6A-9EB0-40B0-9D13-3023E9A20508}"/>
+                <a16:creationId xmlns="" xmlns:a16="http://schemas.microsoft.com/office/drawing/2014/main" id="{3BCB5F6A-9EB0-40B0-9D13-3023E9A20508}"/>
               </a:ext>
             </a:extLst>
           </p:cNvPr>
@@ -15433,7 +15433,7 @@
           <p:cNvPr id="2055" name="Content Placeholder 2054">
             <a:extLst>
               <a:ext uri="{FF2B5EF4-FFF2-40B4-BE49-F238E27FC236}">
-                <a16:creationId xmlns:a16="http://schemas.microsoft.com/office/drawing/2014/main" xmlns="" id="{7CA6CE8A-AEA3-41FD-92F7-E1450D5CC5FC}"/>
+                <a16:creationId xmlns="" xmlns:a16="http://schemas.microsoft.com/office/drawing/2014/main" id="{7CA6CE8A-AEA3-41FD-92F7-E1450D5CC5FC}"/>
               </a:ext>
             </a:extLst>
           </p:cNvPr>
@@ -15592,7 +15592,6 @@
               <a:rPr lang="en-US" dirty="0" smtClean="0"/>
               <a:t> stride to 2, preventing redundancies</a:t>
             </a:r>
-            <a:endParaRPr lang="en-US" dirty="0" smtClean="0"/>
           </a:p>
           <a:p>
             <a:pPr>
@@ -15613,7 +15612,6 @@
               <a:rPr lang="en-US" dirty="0" smtClean="0"/>
               <a:t>Ultimately resulted in 92.356% accuracy on test set!</a:t>
             </a:r>
-            <a:endParaRPr lang="en-US" dirty="0" smtClean="0"/>
           </a:p>
           <a:p>
             <a:pPr>
@@ -15702,7 +15700,6 @@
               <a:rPr lang="en-US" dirty="0"/>
               <a:t>),</a:t>
             </a:r>
-            <a:endParaRPr lang="en-US" dirty="0"/>
           </a:p>
           <a:p>
             <a:r>
@@ -15736,15 +15733,7 @@
             </a:r>
             <a:r>
               <a:rPr lang="en-US" dirty="0" smtClean="0"/>
-              <a:t>torch.nn.Conv2d(50,40,5</a:t>
-            </a:r>
-            <a:r>
-              <a:rPr lang="en-US" dirty="0" smtClean="0"/>
-              <a:t>,padding=2</a:t>
-            </a:r>
-            <a:r>
-              <a:rPr lang="en-US" dirty="0" smtClean="0"/>
-              <a:t>),</a:t>
+              <a:t>torch.nn.Conv2d(50,40,5,padding=2),</a:t>
             </a:r>
             <a:endParaRPr lang="en-US" dirty="0"/>
           </a:p>
@@ -16038,13 +16027,8 @@
           <a:p>
             <a:r>
               <a:rPr lang="en-US" dirty="0" smtClean="0"/>
-              <a:t>Dropout layer </a:t>
-            </a:r>
-            <a:r>
-              <a:rPr lang="en-US" smtClean="0"/>
-              <a:t>improved performance</a:t>
-            </a:r>
-            <a:endParaRPr lang="en-US" dirty="0" smtClean="0"/>
+              <a:t>Dropout layer improved performance</a:t>
+            </a:r>
           </a:p>
           <a:p>
             <a:r>
@@ -16053,14 +16037,47 @@
             </a:r>
             <a:r>
               <a:rPr lang="en-US" dirty="0"/>
-              <a:t>best CNN model has 3 convolution layers and 656,830 parameters and is able to classify 91.6% of the test images correctly.  </a:t>
-            </a:r>
-          </a:p>
-          <a:p>
+              <a:t>best CNN model has 3 convolution layers </a:t>
+            </a:r>
+            <a:r>
+              <a:rPr lang="en-US" dirty="0" smtClean="0"/>
+              <a:t>and </a:t>
+            </a:r>
             <a:r>
               <a:rPr lang="en-US" dirty="0"/>
-              <a:t>Additional parameters that might result in improved performance include padding in the convolution layer.  </a:t>
-            </a:r>
+              <a:t>is able to classify </a:t>
+            </a:r>
+            <a:r>
+              <a:rPr lang="en-US" dirty="0" smtClean="0"/>
+              <a:t>92.36% </a:t>
+            </a:r>
+            <a:r>
+              <a:rPr lang="en-US" dirty="0"/>
+              <a:t>of the test images correctly.  </a:t>
+            </a:r>
+          </a:p>
+          <a:p>
+            <a:r>
+              <a:rPr lang="en-US" dirty="0"/>
+              <a:t>Additional </a:t>
+            </a:r>
+            <a:r>
+              <a:rPr lang="en-US" dirty="0" smtClean="0"/>
+              <a:t>tweaks that </a:t>
+            </a:r>
+            <a:r>
+              <a:rPr lang="en-US" dirty="0"/>
+              <a:t>might result in improved performance include </a:t>
+            </a:r>
+            <a:r>
+              <a:rPr lang="en-US" dirty="0" smtClean="0"/>
+              <a:t>additional conv layers, altering the stride, and </a:t>
+            </a:r>
+            <a:r>
+              <a:rPr lang="en-US" smtClean="0"/>
+              <a:t>experimenting with the number of kernels.</a:t>
+            </a:r>
+            <a:endParaRPr lang="en-US" dirty="0"/>
           </a:p>
           <a:p>
             <a:endParaRPr lang="en-US" dirty="0"/>
@@ -16494,7 +16511,7 @@
           <p:cNvPr id="74" name="Isosceles Triangle 73">
             <a:extLst>
               <a:ext uri="{FF2B5EF4-FFF2-40B4-BE49-F238E27FC236}">
-                <a16:creationId xmlns:a16="http://schemas.microsoft.com/office/drawing/2014/main" xmlns="" id="{3BCB5F6A-9EB0-40B0-9D13-3023E9A20508}"/>
+                <a16:creationId xmlns="" xmlns:a16="http://schemas.microsoft.com/office/drawing/2014/main" id="{3BCB5F6A-9EB0-40B0-9D13-3023E9A20508}"/>
               </a:ext>
             </a:extLst>
           </p:cNvPr>
@@ -16576,7 +16593,7 @@
           <p:cNvPr id="1031" name="Content Placeholder 1030">
             <a:extLst>
               <a:ext uri="{FF2B5EF4-FFF2-40B4-BE49-F238E27FC236}">
-                <a16:creationId xmlns:a16="http://schemas.microsoft.com/office/drawing/2014/main" xmlns="" id="{33C154E9-6CEF-48E0-9B8F-DA3CC25F90D5}"/>
+                <a16:creationId xmlns="" xmlns:a16="http://schemas.microsoft.com/office/drawing/2014/main" id="{33C154E9-6CEF-48E0-9B8F-DA3CC25F90D5}"/>
               </a:ext>
             </a:extLst>
           </p:cNvPr>
